--- a/G_005_006_022_075_096.pptx
+++ b/G_005_006_022_075_096.pptx
@@ -1,35 +1,28 @@
 
 <file path=ppt/presentation.xml><?xml version="1.0" encoding="utf-8"?>
-<p:presentation xmlns:a="http://schemas.openxmlformats.org/drawingml/2006/main" xmlns:r="http://schemas.openxmlformats.org/officeDocument/2006/relationships" xmlns:p="http://schemas.openxmlformats.org/presentationml/2006/main" strictFirstAndLastChars="0" saveSubsetFonts="1" autoCompressPictures="0">
+<p:presentation xmlns:a="http://schemas.openxmlformats.org/drawingml/2006/main" xmlns:r="http://schemas.openxmlformats.org/officeDocument/2006/relationships" xmlns:p="http://schemas.openxmlformats.org/presentationml/2006/main" saveSubsetFonts="1" autoCompressPictures="0">
   <p:sldMasterIdLst>
     <p:sldMasterId id="2147483648" r:id="rId1"/>
   </p:sldMasterIdLst>
-  <p:notesMasterIdLst>
-    <p:notesMasterId r:id="rId16"/>
-  </p:notesMasterIdLst>
   <p:sldIdLst>
     <p:sldId id="256" r:id="rId2"/>
-    <p:sldId id="257" r:id="rId3"/>
-    <p:sldId id="258" r:id="rId4"/>
-    <p:sldId id="259" r:id="rId5"/>
-    <p:sldId id="260" r:id="rId6"/>
-    <p:sldId id="261" r:id="rId7"/>
-    <p:sldId id="262" r:id="rId8"/>
-    <p:sldId id="263" r:id="rId9"/>
-    <p:sldId id="264" r:id="rId10"/>
-    <p:sldId id="265" r:id="rId11"/>
-    <p:sldId id="266" r:id="rId12"/>
-    <p:sldId id="268" r:id="rId13"/>
-    <p:sldId id="269" r:id="rId14"/>
-    <p:sldId id="267" r:id="rId15"/>
+    <p:sldId id="258" r:id="rId3"/>
+    <p:sldId id="260" r:id="rId4"/>
+    <p:sldId id="263" r:id="rId5"/>
+    <p:sldId id="264" r:id="rId6"/>
+    <p:sldId id="266" r:id="rId7"/>
+    <p:sldId id="267" r:id="rId8"/>
+    <p:sldId id="269" r:id="rId9"/>
+    <p:sldId id="273" r:id="rId10"/>
+    <p:sldId id="271" r:id="rId11"/>
   </p:sldIdLst>
   <p:sldSz cx="9144000" cy="6858000" type="screen4x3"/>
   <p:notesSz cx="6858000" cy="9144000"/>
   <p:defaultTextStyle>
-    <a:defPPr lvl="0">
+    <a:defPPr>
       <a:defRPr lang="en-US"/>
     </a:defPPr>
-    <a:lvl1pPr marL="0" lvl="0" algn="l" defTabSz="457200" rtl="0" eaLnBrk="1" latinLnBrk="0" hangingPunct="1">
+    <a:lvl1pPr marL="0" algn="l" defTabSz="457200" rtl="0" eaLnBrk="1" latinLnBrk="0" hangingPunct="1">
       <a:defRPr sz="1800" kern="1200">
         <a:solidFill>
           <a:schemeClr val="tx1"/>
@@ -39,7 +32,7 @@
         <a:cs typeface="+mn-cs"/>
       </a:defRPr>
     </a:lvl1pPr>
-    <a:lvl2pPr marL="457200" lvl="1" algn="l" defTabSz="457200" rtl="0" eaLnBrk="1" latinLnBrk="0" hangingPunct="1">
+    <a:lvl2pPr marL="457200" algn="l" defTabSz="457200" rtl="0" eaLnBrk="1" latinLnBrk="0" hangingPunct="1">
       <a:defRPr sz="1800" kern="1200">
         <a:solidFill>
           <a:schemeClr val="tx1"/>
@@ -49,7 +42,7 @@
         <a:cs typeface="+mn-cs"/>
       </a:defRPr>
     </a:lvl2pPr>
-    <a:lvl3pPr marL="914400" lvl="2" algn="l" defTabSz="457200" rtl="0" eaLnBrk="1" latinLnBrk="0" hangingPunct="1">
+    <a:lvl3pPr marL="914400" algn="l" defTabSz="457200" rtl="0" eaLnBrk="1" latinLnBrk="0" hangingPunct="1">
       <a:defRPr sz="1800" kern="1200">
         <a:solidFill>
           <a:schemeClr val="tx1"/>
@@ -59,7 +52,7 @@
         <a:cs typeface="+mn-cs"/>
       </a:defRPr>
     </a:lvl3pPr>
-    <a:lvl4pPr marL="1371600" lvl="3" algn="l" defTabSz="457200" rtl="0" eaLnBrk="1" latinLnBrk="0" hangingPunct="1">
+    <a:lvl4pPr marL="1371600" algn="l" defTabSz="457200" rtl="0" eaLnBrk="1" latinLnBrk="0" hangingPunct="1">
       <a:defRPr sz="1800" kern="1200">
         <a:solidFill>
           <a:schemeClr val="tx1"/>
@@ -69,7 +62,7 @@
         <a:cs typeface="+mn-cs"/>
       </a:defRPr>
     </a:lvl4pPr>
-    <a:lvl5pPr marL="1828800" lvl="4" algn="l" defTabSz="457200" rtl="0" eaLnBrk="1" latinLnBrk="0" hangingPunct="1">
+    <a:lvl5pPr marL="1828800" algn="l" defTabSz="457200" rtl="0" eaLnBrk="1" latinLnBrk="0" hangingPunct="1">
       <a:defRPr sz="1800" kern="1200">
         <a:solidFill>
           <a:schemeClr val="tx1"/>
@@ -79,7 +72,7 @@
         <a:cs typeface="+mn-cs"/>
       </a:defRPr>
     </a:lvl5pPr>
-    <a:lvl6pPr marL="2286000" lvl="5" algn="l" defTabSz="457200" rtl="0" eaLnBrk="1" latinLnBrk="0" hangingPunct="1">
+    <a:lvl6pPr marL="2286000" algn="l" defTabSz="457200" rtl="0" eaLnBrk="1" latinLnBrk="0" hangingPunct="1">
       <a:defRPr sz="1800" kern="1200">
         <a:solidFill>
           <a:schemeClr val="tx1"/>
@@ -89,7 +82,7 @@
         <a:cs typeface="+mn-cs"/>
       </a:defRPr>
     </a:lvl6pPr>
-    <a:lvl7pPr marL="2743200" lvl="6" algn="l" defTabSz="457200" rtl="0" eaLnBrk="1" latinLnBrk="0" hangingPunct="1">
+    <a:lvl7pPr marL="2743200" algn="l" defTabSz="457200" rtl="0" eaLnBrk="1" latinLnBrk="0" hangingPunct="1">
       <a:defRPr sz="1800" kern="1200">
         <a:solidFill>
           <a:schemeClr val="tx1"/>
@@ -99,7 +92,7 @@
         <a:cs typeface="+mn-cs"/>
       </a:defRPr>
     </a:lvl7pPr>
-    <a:lvl8pPr marL="3200400" lvl="7" algn="l" defTabSz="457200" rtl="0" eaLnBrk="1" latinLnBrk="0" hangingPunct="1">
+    <a:lvl8pPr marL="3200400" algn="l" defTabSz="457200" rtl="0" eaLnBrk="1" latinLnBrk="0" hangingPunct="1">
       <a:defRPr sz="1800" kern="1200">
         <a:solidFill>
           <a:schemeClr val="tx1"/>
@@ -109,7 +102,7 @@
         <a:cs typeface="+mn-cs"/>
       </a:defRPr>
     </a:lvl8pPr>
-    <a:lvl9pPr marL="3657600" lvl="8" algn="l" defTabSz="457200" rtl="0" eaLnBrk="1" latinLnBrk="0" hangingPunct="1">
+    <a:lvl9pPr marL="3657600" algn="l" defTabSz="457200" rtl="0" eaLnBrk="1" latinLnBrk="0" hangingPunct="1">
       <a:defRPr sz="1800" kern="1200">
         <a:solidFill>
           <a:schemeClr val="tx1"/>
@@ -125,451 +118,18 @@
       <p15:sldGuideLst xmlns:p15="http://schemas.microsoft.com/office/powerpoint/2012/main">
         <p15:guide id="1" orient="horz" pos="2160">
           <p15:clr>
-            <a:srgbClr val="000000"/>
+            <a:srgbClr val="A4A3A4"/>
           </p15:clr>
         </p15:guide>
         <p15:guide id="2" pos="2880">
           <p15:clr>
-            <a:srgbClr val="000000"/>
+            <a:srgbClr val="A4A3A4"/>
           </p15:clr>
         </p15:guide>
       </p15:sldGuideLst>
     </p:ext>
   </p:extLst>
 </p:presentation>
-</file>
-
-<file path=ppt/notesMasters/notesMaster1.xml><?xml version="1.0" encoding="utf-8"?>
-<p:notesMaster xmlns:a="http://schemas.openxmlformats.org/drawingml/2006/main" xmlns:r="http://schemas.openxmlformats.org/officeDocument/2006/relationships" xmlns:p="http://schemas.openxmlformats.org/presentationml/2006/main">
-  <p:cSld>
-    <p:bg>
-      <p:bgRef idx="1001">
-        <a:schemeClr val="bg1"/>
-      </p:bgRef>
-    </p:bg>
-    <p:spTree>
-      <p:nvGrpSpPr>
-        <p:cNvPr id="1" name=""/>
-        <p:cNvGrpSpPr/>
-        <p:nvPr/>
-      </p:nvGrpSpPr>
-      <p:grpSpPr>
-        <a:xfrm>
-          <a:off x="0" y="0"/>
-          <a:ext cx="0" cy="0"/>
-          <a:chOff x="0" y="0"/>
-          <a:chExt cx="0" cy="0"/>
-        </a:xfrm>
-      </p:grpSpPr>
-      <p:sp>
-        <p:nvSpPr>
-          <p:cNvPr id="2" name="Header Placeholder 1"/>
-          <p:cNvSpPr>
-            <a:spLocks noGrp="1"/>
-          </p:cNvSpPr>
-          <p:nvPr>
-            <p:ph type="hdr" sz="quarter"/>
-          </p:nvPr>
-        </p:nvSpPr>
-        <p:spPr>
-          <a:xfrm>
-            <a:off x="0" y="0"/>
-            <a:ext cx="2971800" cy="458788"/>
-          </a:xfrm>
-          <a:prstGeom prst="rect">
-            <a:avLst/>
-          </a:prstGeom>
-        </p:spPr>
-        <p:txBody>
-          <a:bodyPr vert="horz" lIns="91440" tIns="45720" rIns="91440" bIns="45720" rtlCol="0"/>
-          <a:lstStyle>
-            <a:lvl1pPr algn="l">
-              <a:defRPr sz="1200"/>
-            </a:lvl1pPr>
-          </a:lstStyle>
-          <a:p>
-            <a:endParaRPr lang="en-US"/>
-          </a:p>
-        </p:txBody>
-      </p:sp>
-      <p:sp>
-        <p:nvSpPr>
-          <p:cNvPr id="3" name="Date Placeholder 2"/>
-          <p:cNvSpPr>
-            <a:spLocks noGrp="1"/>
-          </p:cNvSpPr>
-          <p:nvPr>
-            <p:ph type="dt" idx="1"/>
-          </p:nvPr>
-        </p:nvSpPr>
-        <p:spPr>
-          <a:xfrm>
-            <a:off x="3884613" y="0"/>
-            <a:ext cx="2971800" cy="458788"/>
-          </a:xfrm>
-          <a:prstGeom prst="rect">
-            <a:avLst/>
-          </a:prstGeom>
-        </p:spPr>
-        <p:txBody>
-          <a:bodyPr vert="horz" lIns="91440" tIns="45720" rIns="91440" bIns="45720" rtlCol="0"/>
-          <a:lstStyle>
-            <a:lvl1pPr algn="r">
-              <a:defRPr sz="1200"/>
-            </a:lvl1pPr>
-          </a:lstStyle>
-          <a:p>
-            <a:fld id="{B52983F9-948A-4040-A0D4-45AB994952C7}" type="datetimeFigureOut">
-              <a:rPr lang="en-US" smtClean="0"/>
-              <a:t>5/2/2025</a:t>
-            </a:fld>
-            <a:endParaRPr lang="en-US"/>
-          </a:p>
-        </p:txBody>
-      </p:sp>
-      <p:sp>
-        <p:nvSpPr>
-          <p:cNvPr id="4" name="Slide Image Placeholder 3"/>
-          <p:cNvSpPr>
-            <a:spLocks noGrp="1" noRot="1" noChangeAspect="1"/>
-          </p:cNvSpPr>
-          <p:nvPr>
-            <p:ph type="sldImg" idx="2"/>
-          </p:nvPr>
-        </p:nvSpPr>
-        <p:spPr>
-          <a:xfrm>
-            <a:off x="1371600" y="1143000"/>
-            <a:ext cx="4114800" cy="3086100"/>
-          </a:xfrm>
-          <a:prstGeom prst="rect">
-            <a:avLst/>
-          </a:prstGeom>
-          <a:noFill/>
-          <a:ln w="12700">
-            <a:solidFill>
-              <a:prstClr val="black"/>
-            </a:solidFill>
-          </a:ln>
-        </p:spPr>
-        <p:txBody>
-          <a:bodyPr vert="horz" lIns="91440" tIns="45720" rIns="91440" bIns="45720" rtlCol="0" anchor="ctr"/>
-          <a:lstStyle/>
-          <a:p>
-            <a:endParaRPr lang="en-US"/>
-          </a:p>
-        </p:txBody>
-      </p:sp>
-      <p:sp>
-        <p:nvSpPr>
-          <p:cNvPr id="5" name="Notes Placeholder 4"/>
-          <p:cNvSpPr>
-            <a:spLocks noGrp="1"/>
-          </p:cNvSpPr>
-          <p:nvPr>
-            <p:ph type="body" sz="quarter" idx="3"/>
-          </p:nvPr>
-        </p:nvSpPr>
-        <p:spPr>
-          <a:xfrm>
-            <a:off x="685800" y="4400550"/>
-            <a:ext cx="5486400" cy="3600450"/>
-          </a:xfrm>
-          <a:prstGeom prst="rect">
-            <a:avLst/>
-          </a:prstGeom>
-        </p:spPr>
-        <p:txBody>
-          <a:bodyPr vert="horz" lIns="91440" tIns="45720" rIns="91440" bIns="45720" rtlCol="0"/>
-          <a:lstStyle/>
-          <a:p>
-            <a:pPr lvl="0"/>
-            <a:r>
-              <a:rPr lang="en-US"/>
-              <a:t>Click to edit Master text styles</a:t>
-            </a:r>
-          </a:p>
-          <a:p>
-            <a:pPr lvl="1"/>
-            <a:r>
-              <a:rPr lang="en-US"/>
-              <a:t>Second level</a:t>
-            </a:r>
-          </a:p>
-          <a:p>
-            <a:pPr lvl="2"/>
-            <a:r>
-              <a:rPr lang="en-US"/>
-              <a:t>Third level</a:t>
-            </a:r>
-          </a:p>
-          <a:p>
-            <a:pPr lvl="3"/>
-            <a:r>
-              <a:rPr lang="en-US"/>
-              <a:t>Fourth level</a:t>
-            </a:r>
-          </a:p>
-          <a:p>
-            <a:pPr lvl="4"/>
-            <a:r>
-              <a:rPr lang="en-US"/>
-              <a:t>Fifth level</a:t>
-            </a:r>
-          </a:p>
-        </p:txBody>
-      </p:sp>
-      <p:sp>
-        <p:nvSpPr>
-          <p:cNvPr id="6" name="Footer Placeholder 5"/>
-          <p:cNvSpPr>
-            <a:spLocks noGrp="1"/>
-          </p:cNvSpPr>
-          <p:nvPr>
-            <p:ph type="ftr" sz="quarter" idx="4"/>
-          </p:nvPr>
-        </p:nvSpPr>
-        <p:spPr>
-          <a:xfrm>
-            <a:off x="0" y="8685213"/>
-            <a:ext cx="2971800" cy="458787"/>
-          </a:xfrm>
-          <a:prstGeom prst="rect">
-            <a:avLst/>
-          </a:prstGeom>
-        </p:spPr>
-        <p:txBody>
-          <a:bodyPr vert="horz" lIns="91440" tIns="45720" rIns="91440" bIns="45720" rtlCol="0" anchor="b"/>
-          <a:lstStyle>
-            <a:lvl1pPr algn="l">
-              <a:defRPr sz="1200"/>
-            </a:lvl1pPr>
-          </a:lstStyle>
-          <a:p>
-            <a:endParaRPr lang="en-US"/>
-          </a:p>
-        </p:txBody>
-      </p:sp>
-      <p:sp>
-        <p:nvSpPr>
-          <p:cNvPr id="7" name="Slide Number Placeholder 6"/>
-          <p:cNvSpPr>
-            <a:spLocks noGrp="1"/>
-          </p:cNvSpPr>
-          <p:nvPr>
-            <p:ph type="sldNum" sz="quarter" idx="5"/>
-          </p:nvPr>
-        </p:nvSpPr>
-        <p:spPr>
-          <a:xfrm>
-            <a:off x="3884613" y="8685213"/>
-            <a:ext cx="2971800" cy="458787"/>
-          </a:xfrm>
-          <a:prstGeom prst="rect">
-            <a:avLst/>
-          </a:prstGeom>
-        </p:spPr>
-        <p:txBody>
-          <a:bodyPr vert="horz" lIns="91440" tIns="45720" rIns="91440" bIns="45720" rtlCol="0" anchor="b"/>
-          <a:lstStyle>
-            <a:lvl1pPr algn="r">
-              <a:defRPr sz="1200"/>
-            </a:lvl1pPr>
-          </a:lstStyle>
-          <a:p>
-            <a:fld id="{58D34B69-F755-42E8-A6C4-6D2E823D1070}" type="slidenum">
-              <a:rPr lang="en-US" smtClean="0"/>
-              <a:t>‹#›</a:t>
-            </a:fld>
-            <a:endParaRPr lang="en-US"/>
-          </a:p>
-        </p:txBody>
-      </p:sp>
-    </p:spTree>
-    <p:extLst>
-      <p:ext uri="{BB962C8B-B14F-4D97-AF65-F5344CB8AC3E}">
-        <p14:creationId xmlns:p14="http://schemas.microsoft.com/office/powerpoint/2010/main" val="3088762615"/>
-      </p:ext>
-    </p:extLst>
-  </p:cSld>
-  <p:clrMap bg1="lt1" tx1="dk1" bg2="lt2" tx2="dk2" accent1="accent1" accent2="accent2" accent3="accent3" accent4="accent4" accent5="accent5" accent6="accent6" hlink="hlink" folHlink="folHlink"/>
-  <p:notesStyle>
-    <a:lvl1pPr marL="0" algn="l" defTabSz="914400" rtl="0" eaLnBrk="1" latinLnBrk="0" hangingPunct="1">
-      <a:defRPr sz="1200" kern="1200">
-        <a:solidFill>
-          <a:schemeClr val="tx1"/>
-        </a:solidFill>
-        <a:latin typeface="+mn-lt"/>
-        <a:ea typeface="+mn-ea"/>
-        <a:cs typeface="+mn-cs"/>
-      </a:defRPr>
-    </a:lvl1pPr>
-    <a:lvl2pPr marL="457200" algn="l" defTabSz="914400" rtl="0" eaLnBrk="1" latinLnBrk="0" hangingPunct="1">
-      <a:defRPr sz="1200" kern="1200">
-        <a:solidFill>
-          <a:schemeClr val="tx1"/>
-        </a:solidFill>
-        <a:latin typeface="+mn-lt"/>
-        <a:ea typeface="+mn-ea"/>
-        <a:cs typeface="+mn-cs"/>
-      </a:defRPr>
-    </a:lvl2pPr>
-    <a:lvl3pPr marL="914400" algn="l" defTabSz="914400" rtl="0" eaLnBrk="1" latinLnBrk="0" hangingPunct="1">
-      <a:defRPr sz="1200" kern="1200">
-        <a:solidFill>
-          <a:schemeClr val="tx1"/>
-        </a:solidFill>
-        <a:latin typeface="+mn-lt"/>
-        <a:ea typeface="+mn-ea"/>
-        <a:cs typeface="+mn-cs"/>
-      </a:defRPr>
-    </a:lvl3pPr>
-    <a:lvl4pPr marL="1371600" algn="l" defTabSz="914400" rtl="0" eaLnBrk="1" latinLnBrk="0" hangingPunct="1">
-      <a:defRPr sz="1200" kern="1200">
-        <a:solidFill>
-          <a:schemeClr val="tx1"/>
-        </a:solidFill>
-        <a:latin typeface="+mn-lt"/>
-        <a:ea typeface="+mn-ea"/>
-        <a:cs typeface="+mn-cs"/>
-      </a:defRPr>
-    </a:lvl4pPr>
-    <a:lvl5pPr marL="1828800" algn="l" defTabSz="914400" rtl="0" eaLnBrk="1" latinLnBrk="0" hangingPunct="1">
-      <a:defRPr sz="1200" kern="1200">
-        <a:solidFill>
-          <a:schemeClr val="tx1"/>
-        </a:solidFill>
-        <a:latin typeface="+mn-lt"/>
-        <a:ea typeface="+mn-ea"/>
-        <a:cs typeface="+mn-cs"/>
-      </a:defRPr>
-    </a:lvl5pPr>
-    <a:lvl6pPr marL="2286000" algn="l" defTabSz="914400" rtl="0" eaLnBrk="1" latinLnBrk="0" hangingPunct="1">
-      <a:defRPr sz="1200" kern="1200">
-        <a:solidFill>
-          <a:schemeClr val="tx1"/>
-        </a:solidFill>
-        <a:latin typeface="+mn-lt"/>
-        <a:ea typeface="+mn-ea"/>
-        <a:cs typeface="+mn-cs"/>
-      </a:defRPr>
-    </a:lvl6pPr>
-    <a:lvl7pPr marL="2743200" algn="l" defTabSz="914400" rtl="0" eaLnBrk="1" latinLnBrk="0" hangingPunct="1">
-      <a:defRPr sz="1200" kern="1200">
-        <a:solidFill>
-          <a:schemeClr val="tx1"/>
-        </a:solidFill>
-        <a:latin typeface="+mn-lt"/>
-        <a:ea typeface="+mn-ea"/>
-        <a:cs typeface="+mn-cs"/>
-      </a:defRPr>
-    </a:lvl7pPr>
-    <a:lvl8pPr marL="3200400" algn="l" defTabSz="914400" rtl="0" eaLnBrk="1" latinLnBrk="0" hangingPunct="1">
-      <a:defRPr sz="1200" kern="1200">
-        <a:solidFill>
-          <a:schemeClr val="tx1"/>
-        </a:solidFill>
-        <a:latin typeface="+mn-lt"/>
-        <a:ea typeface="+mn-ea"/>
-        <a:cs typeface="+mn-cs"/>
-      </a:defRPr>
-    </a:lvl8pPr>
-    <a:lvl9pPr marL="3657600" algn="l" defTabSz="914400" rtl="0" eaLnBrk="1" latinLnBrk="0" hangingPunct="1">
-      <a:defRPr sz="1200" kern="1200">
-        <a:solidFill>
-          <a:schemeClr val="tx1"/>
-        </a:solidFill>
-        <a:latin typeface="+mn-lt"/>
-        <a:ea typeface="+mn-ea"/>
-        <a:cs typeface="+mn-cs"/>
-      </a:defRPr>
-    </a:lvl9pPr>
-  </p:notesStyle>
-</p:notesMaster>
-</file>
-
-<file path=ppt/notesSlides/notesSlide1.xml><?xml version="1.0" encoding="utf-8"?>
-<p:notes xmlns:a="http://schemas.openxmlformats.org/drawingml/2006/main" xmlns:r="http://schemas.openxmlformats.org/officeDocument/2006/relationships" xmlns:p="http://schemas.openxmlformats.org/presentationml/2006/main">
-  <p:cSld>
-    <p:spTree>
-      <p:nvGrpSpPr>
-        <p:cNvPr id="1" name=""/>
-        <p:cNvGrpSpPr/>
-        <p:nvPr/>
-      </p:nvGrpSpPr>
-      <p:grpSpPr>
-        <a:xfrm>
-          <a:off x="0" y="0"/>
-          <a:ext cx="0" cy="0"/>
-          <a:chOff x="0" y="0"/>
-          <a:chExt cx="0" cy="0"/>
-        </a:xfrm>
-      </p:grpSpPr>
-      <p:sp>
-        <p:nvSpPr>
-          <p:cNvPr id="2" name="Slide Image Placeholder 1"/>
-          <p:cNvSpPr>
-            <a:spLocks noGrp="1" noRot="1" noChangeAspect="1"/>
-          </p:cNvSpPr>
-          <p:nvPr>
-            <p:ph type="sldImg"/>
-          </p:nvPr>
-        </p:nvSpPr>
-        <p:spPr/>
-      </p:sp>
-      <p:sp>
-        <p:nvSpPr>
-          <p:cNvPr id="3" name="Notes Placeholder 2"/>
-          <p:cNvSpPr>
-            <a:spLocks noGrp="1"/>
-          </p:cNvSpPr>
-          <p:nvPr>
-            <p:ph type="body" idx="1"/>
-          </p:nvPr>
-        </p:nvSpPr>
-        <p:spPr/>
-        <p:txBody>
-          <a:bodyPr/>
-          <a:lstStyle/>
-          <a:p>
-            <a:endParaRPr lang="en-US" dirty="0"/>
-          </a:p>
-        </p:txBody>
-      </p:sp>
-      <p:sp>
-        <p:nvSpPr>
-          <p:cNvPr id="4" name="Slide Number Placeholder 3"/>
-          <p:cNvSpPr>
-            <a:spLocks noGrp="1"/>
-          </p:cNvSpPr>
-          <p:nvPr>
-            <p:ph type="sldNum" sz="quarter" idx="5"/>
-          </p:nvPr>
-        </p:nvSpPr>
-        <p:spPr/>
-        <p:txBody>
-          <a:bodyPr/>
-          <a:lstStyle/>
-          <a:p>
-            <a:fld id="{58D34B69-F755-42E8-A6C4-6D2E823D1070}" type="slidenum">
-              <a:rPr lang="en-US" smtClean="0"/>
-              <a:t>5</a:t>
-            </a:fld>
-            <a:endParaRPr lang="en-US"/>
-          </a:p>
-        </p:txBody>
-      </p:sp>
-    </p:spTree>
-    <p:extLst>
-      <p:ext uri="{BB962C8B-B14F-4D97-AF65-F5344CB8AC3E}">
-        <p14:creationId xmlns:p14="http://schemas.microsoft.com/office/powerpoint/2010/main" val="2679288100"/>
-      </p:ext>
-    </p:extLst>
-  </p:cSld>
-  <p:clrMapOvr>
-    <a:masterClrMapping/>
-  </p:clrMapOvr>
-</p:notes>
 </file>
 
 <file path=ppt/slideLayouts/slideLayout1.xml><?xml version="1.0" encoding="utf-8"?>
@@ -751,7 +311,7 @@
           <a:p>
             <a:fld id="{5BCAD085-E8A6-8845-BD4E-CB4CCA059FC4}" type="datetimeFigureOut">
               <a:rPr lang="en-US" smtClean="0"/>
-              <a:t>5/2/2025</a:t>
+              <a:t>5/8/2025</a:t>
             </a:fld>
             <a:endParaRPr lang="en-US"/>
           </a:p>
@@ -919,7 +479,7 @@
           <a:p>
             <a:fld id="{5BCAD085-E8A6-8845-BD4E-CB4CCA059FC4}" type="datetimeFigureOut">
               <a:rPr lang="en-US" smtClean="0"/>
-              <a:t>5/2/2025</a:t>
+              <a:t>5/8/2025</a:t>
             </a:fld>
             <a:endParaRPr lang="en-US"/>
           </a:p>
@@ -1097,7 +657,7 @@
           <a:p>
             <a:fld id="{5BCAD085-E8A6-8845-BD4E-CB4CCA059FC4}" type="datetimeFigureOut">
               <a:rPr lang="en-US" smtClean="0"/>
-              <a:t>5/2/2025</a:t>
+              <a:t>5/8/2025</a:t>
             </a:fld>
             <a:endParaRPr lang="en-US"/>
           </a:p>
@@ -1265,7 +825,7 @@
           <a:p>
             <a:fld id="{5BCAD085-E8A6-8845-BD4E-CB4CCA059FC4}" type="datetimeFigureOut">
               <a:rPr lang="en-US" smtClean="0"/>
-              <a:t>5/2/2025</a:t>
+              <a:t>5/8/2025</a:t>
             </a:fld>
             <a:endParaRPr lang="en-US"/>
           </a:p>
@@ -1510,7 +1070,7 @@
           <a:p>
             <a:fld id="{5BCAD085-E8A6-8845-BD4E-CB4CCA059FC4}" type="datetimeFigureOut">
               <a:rPr lang="en-US" smtClean="0"/>
-              <a:t>5/2/2025</a:t>
+              <a:t>5/8/2025</a:t>
             </a:fld>
             <a:endParaRPr lang="en-US"/>
           </a:p>
@@ -1795,7 +1355,7 @@
           <a:p>
             <a:fld id="{5BCAD085-E8A6-8845-BD4E-CB4CCA059FC4}" type="datetimeFigureOut">
               <a:rPr lang="en-US" smtClean="0"/>
-              <a:t>5/2/2025</a:t>
+              <a:t>5/8/2025</a:t>
             </a:fld>
             <a:endParaRPr lang="en-US"/>
           </a:p>
@@ -2214,7 +1774,7 @@
           <a:p>
             <a:fld id="{5BCAD085-E8A6-8845-BD4E-CB4CCA059FC4}" type="datetimeFigureOut">
               <a:rPr lang="en-US" smtClean="0"/>
-              <a:t>5/2/2025</a:t>
+              <a:t>5/8/2025</a:t>
             </a:fld>
             <a:endParaRPr lang="en-US"/>
           </a:p>
@@ -2331,7 +1891,7 @@
           <a:p>
             <a:fld id="{5BCAD085-E8A6-8845-BD4E-CB4CCA059FC4}" type="datetimeFigureOut">
               <a:rPr lang="en-US" smtClean="0"/>
-              <a:t>5/2/2025</a:t>
+              <a:t>5/8/2025</a:t>
             </a:fld>
             <a:endParaRPr lang="en-US"/>
           </a:p>
@@ -2426,7 +1986,7 @@
           <a:p>
             <a:fld id="{5BCAD085-E8A6-8845-BD4E-CB4CCA059FC4}" type="datetimeFigureOut">
               <a:rPr lang="en-US" smtClean="0"/>
-              <a:t>5/2/2025</a:t>
+              <a:t>5/8/2025</a:t>
             </a:fld>
             <a:endParaRPr lang="en-US"/>
           </a:p>
@@ -2701,7 +2261,7 @@
           <a:p>
             <a:fld id="{5BCAD085-E8A6-8845-BD4E-CB4CCA059FC4}" type="datetimeFigureOut">
               <a:rPr lang="en-US" smtClean="0"/>
-              <a:t>5/2/2025</a:t>
+              <a:t>5/8/2025</a:t>
             </a:fld>
             <a:endParaRPr lang="en-US"/>
           </a:p>
@@ -2953,7 +2513,7 @@
           <a:p>
             <a:fld id="{5BCAD085-E8A6-8845-BD4E-CB4CCA059FC4}" type="datetimeFigureOut">
               <a:rPr lang="en-US" smtClean="0"/>
-              <a:t>5/2/2025</a:t>
+              <a:t>5/8/2025</a:t>
             </a:fld>
             <a:endParaRPr lang="en-US"/>
           </a:p>
@@ -3164,7 +2724,7 @@
           <a:p>
             <a:fld id="{5BCAD085-E8A6-8845-BD4E-CB4CCA059FC4}" type="datetimeFigureOut">
               <a:rPr lang="en-US" smtClean="0"/>
-              <a:t>5/2/2025</a:t>
+              <a:t>5/8/2025</a:t>
             </a:fld>
             <a:endParaRPr lang="en-US"/>
           </a:p>
@@ -3546,87 +3106,44 @@
             <a:spLocks noGrp="1"/>
           </p:cNvSpPr>
           <p:nvPr>
-            <p:ph type="title"/>
+            <p:ph type="ctrTitle"/>
           </p:nvPr>
         </p:nvSpPr>
         <p:spPr>
           <a:xfrm>
-            <a:off x="457200" y="216817"/>
-            <a:ext cx="8229600" cy="2488676"/>
+            <a:off x="685800" y="1696826"/>
+            <a:ext cx="7772400" cy="1866506"/>
           </a:xfrm>
         </p:spPr>
         <p:txBody>
           <a:bodyPr>
-            <a:normAutofit fontScale="90000"/>
+            <a:noAutofit/>
           </a:bodyPr>
           <a:lstStyle/>
           <a:p>
             <a:r>
-              <a:rPr lang="en-IN" sz="6000" b="1" u="sng" dirty="0">
-                <a:effectLst>
-                  <a:outerShdw blurRad="38100" dist="38100" dir="2700000" algn="tl">
-                    <a:srgbClr val="000000">
-                      <a:alpha val="43137"/>
-                    </a:srgbClr>
-                  </a:outerShdw>
-                </a:effectLst>
+              <a:rPr u="sng" dirty="0">
                 <a:latin typeface="Arial Black" panose="020B0A04020102020204" pitchFamily="34" charset="0"/>
               </a:rPr>
-              <a:t>ML – Project</a:t>
-            </a:r>
-            <a:br>
-              <a:rPr lang="en-IN" sz="6000" b="1" u="sng" dirty="0">
-                <a:effectLst>
-                  <a:outerShdw blurRad="38100" dist="38100" dir="2700000" algn="tl">
-                    <a:srgbClr val="000000">
-                      <a:alpha val="43137"/>
-                    </a:srgbClr>
-                  </a:outerShdw>
-                </a:effectLst>
-                <a:latin typeface="Arial Black" panose="020B0A04020102020204" pitchFamily="34" charset="0"/>
-              </a:rPr>
-            </a:br>
-            <a:br>
-              <a:rPr lang="en-IN" dirty="0">
-                <a:effectLst>
-                  <a:outerShdw blurRad="38100" dist="38100" dir="2700000" algn="tl">
-                    <a:srgbClr val="000000">
-                      <a:alpha val="43137"/>
-                    </a:srgbClr>
-                  </a:outerShdw>
-                </a:effectLst>
-              </a:rPr>
-            </a:br>
-            <a:r>
-              <a:rPr sz="4000" b="1" dirty="0">
-                <a:effectLst>
-                  <a:outerShdw blurRad="38100" dist="38100" dir="2700000" algn="tl">
-                    <a:srgbClr val="000000">
-                      <a:alpha val="43137"/>
-                    </a:srgbClr>
-                  </a:outerShdw>
-                </a:effectLst>
-                <a:latin typeface="Bahnschrift Light Condensed" panose="020B0502040204020203" pitchFamily="34" charset="0"/>
-              </a:rPr>
-              <a:t>Predicting Employee Attrition &amp; Estimating Financial</a:t>
-            </a:r>
-          </a:p>
-        </p:txBody>
-      </p:sp>
-      <p:sp>
-        <p:nvSpPr>
-          <p:cNvPr id="3" name="Content Placeholder 2"/>
-          <p:cNvSpPr>
-            <a:spLocks noGrp="1"/>
-          </p:cNvSpPr>
-          <p:nvPr>
-            <p:ph idx="1"/>
+              <a:t>Predicting Employee Attrition and Estimating Financial Loss</a:t>
+            </a:r>
+          </a:p>
+        </p:txBody>
+      </p:sp>
+      <p:sp>
+        <p:nvSpPr>
+          <p:cNvPr id="3" name="Subtitle 2"/>
+          <p:cNvSpPr>
+            <a:spLocks noGrp="1"/>
+          </p:cNvSpPr>
+          <p:nvPr>
+            <p:ph type="subTitle" idx="1"/>
           </p:nvPr>
         </p:nvSpPr>
         <p:spPr>
           <a:xfrm>
-            <a:off x="457200" y="3428999"/>
-            <a:ext cx="8229600" cy="2697163"/>
+            <a:off x="1371600" y="4395247"/>
+            <a:ext cx="6528062" cy="1260835"/>
           </a:xfrm>
         </p:spPr>
         <p:txBody>
@@ -3636,83 +3153,48 @@
           <a:lstStyle/>
           <a:p>
             <a:r>
-              <a:rPr dirty="0">
-                <a:latin typeface="Bahnschrift Light Condensed" panose="020B0502040204020203" pitchFamily="34" charset="0"/>
-              </a:rPr>
-              <a:t>Team Members: [</a:t>
-            </a:r>
-            <a:r>
-              <a:rPr lang="en-IN" dirty="0">
-                <a:latin typeface="Bahnschrift Light Condensed" panose="020B0502040204020203" pitchFamily="34" charset="0"/>
-              </a:rPr>
-              <a:t>SE23UCSE_005_006_022_075_096</a:t>
-            </a:r>
-            <a:r>
-              <a:rPr dirty="0">
-                <a:latin typeface="Bahnschrift Light Condensed" panose="020B0502040204020203" pitchFamily="34" charset="0"/>
-              </a:rPr>
-              <a:t>]</a:t>
-            </a:r>
-          </a:p>
-          <a:p>
-            <a:r>
-              <a:rPr dirty="0">
-                <a:latin typeface="Bahnschrift Light Condensed" panose="020B0502040204020203" pitchFamily="34" charset="0"/>
-              </a:rPr>
-              <a:t>Course Name: [</a:t>
-            </a:r>
-            <a:r>
-              <a:rPr lang="en-IN" dirty="0">
-                <a:latin typeface="Bahnschrift Light Condensed" panose="020B0502040204020203" pitchFamily="34" charset="0"/>
-              </a:rPr>
-              <a:t>Machine Learning</a:t>
-            </a:r>
-            <a:r>
-              <a:rPr dirty="0">
-                <a:latin typeface="Bahnschrift Light Condensed" panose="020B0502040204020203" pitchFamily="34" charset="0"/>
-              </a:rPr>
-              <a:t>]</a:t>
-            </a:r>
-          </a:p>
-          <a:p>
-            <a:r>
-              <a:rPr dirty="0">
-                <a:latin typeface="Bahnschrift Light Condensed" panose="020B0502040204020203" pitchFamily="34" charset="0"/>
-              </a:rPr>
-              <a:t>Instructor: [</a:t>
-            </a:r>
-            <a:r>
-              <a:rPr lang="en-IN" dirty="0">
-                <a:latin typeface="Bahnschrift Light Condensed" panose="020B0502040204020203" pitchFamily="34" charset="0"/>
-              </a:rPr>
-              <a:t>Om Prakash</a:t>
-            </a:r>
-            <a:r>
-              <a:rPr dirty="0">
-                <a:latin typeface="Bahnschrift Light Condensed" panose="020B0502040204020203" pitchFamily="34" charset="0"/>
-              </a:rPr>
-              <a:t>]</a:t>
-            </a:r>
-          </a:p>
-          <a:p>
-            <a:r>
-              <a:rPr dirty="0">
-                <a:latin typeface="Bahnschrift Light Condensed" panose="020B0502040204020203" pitchFamily="34" charset="0"/>
-              </a:rPr>
-              <a:t>Date: [</a:t>
-            </a:r>
-            <a:r>
-              <a:rPr lang="en-IN" dirty="0">
-                <a:latin typeface="Bahnschrift Light Condensed" panose="020B0502040204020203" pitchFamily="34" charset="0"/>
-              </a:rPr>
-              <a:t>2/5/25</a:t>
-            </a:r>
-            <a:r>
-              <a:rPr dirty="0">
-                <a:latin typeface="Bahnschrift Light Condensed" panose="020B0502040204020203" pitchFamily="34" charset="0"/>
-              </a:rPr>
-              <a:t>]</a:t>
-            </a:r>
+              <a:rPr lang="en-IN" sz="2000" dirty="0"/>
+              <a:t>Sri Charan(se23ucse005), Vivardhan Reddy</a:t>
+            </a:r>
+            <a:r>
+              <a:rPr sz="2000" dirty="0"/>
+              <a:t>(se23ucse</a:t>
+            </a:r>
+            <a:r>
+              <a:rPr lang="en-IN" sz="2000" dirty="0"/>
+              <a:t>006</a:t>
+            </a:r>
+            <a:r>
+              <a:rPr sz="2000" dirty="0"/>
+              <a:t>), </a:t>
+            </a:r>
+            <a:r>
+              <a:rPr lang="en-IN" sz="2000" dirty="0"/>
+              <a:t>Amogh Raj</a:t>
+            </a:r>
+            <a:r>
+              <a:rPr sz="2000" dirty="0"/>
+              <a:t> (se23ucse0</a:t>
+            </a:r>
+            <a:r>
+              <a:rPr lang="en-IN" sz="2000" dirty="0"/>
+              <a:t>22</a:t>
+            </a:r>
+            <a:r>
+              <a:rPr sz="2000" dirty="0"/>
+              <a:t>)</a:t>
+            </a:r>
+            <a:r>
+              <a:rPr lang="en-IN" sz="2000" dirty="0"/>
+              <a:t>,</a:t>
+            </a:r>
+          </a:p>
+          <a:p>
+            <a:r>
+              <a:rPr lang="en-IN" sz="2000" dirty="0"/>
+              <a:t>Pradhyumna G(se23ucse075), Koushik K(se23ucse096)</a:t>
+            </a:r>
+            <a:endParaRPr sz="2000" dirty="0"/>
           </a:p>
         </p:txBody>
       </p:sp>
@@ -3754,12 +3236,12 @@
         <p:spPr/>
         <p:txBody>
           <a:bodyPr>
-            <a:noAutofit/>
+            <a:normAutofit/>
           </a:bodyPr>
           <a:lstStyle/>
           <a:p>
             <a:r>
-              <a:rPr b="1" u="sng" dirty="0">
+              <a:rPr sz="4800" u="sng" dirty="0">
                 <a:effectLst>
                   <a:outerShdw blurRad="38100" dist="38100" dir="2700000" algn="tl">
                     <a:srgbClr val="000000">
@@ -3769,7 +3251,7 @@
                 </a:effectLst>
                 <a:latin typeface="Arial Black" panose="020B0A04020102020204" pitchFamily="34" charset="0"/>
               </a:rPr>
-              <a:t>Code &amp; GitHub Integration</a:t>
+              <a:t>Insights &amp; Conclusion</a:t>
             </a:r>
           </a:p>
         </p:txBody>
@@ -3786,101 +3268,40 @@
         </p:nvSpPr>
         <p:spPr>
           <a:xfrm>
-            <a:off x="457200" y="2554664"/>
-            <a:ext cx="8229600" cy="3571499"/>
+            <a:off x="457200" y="2007910"/>
+            <a:ext cx="8229600" cy="4118254"/>
           </a:xfrm>
         </p:spPr>
         <p:txBody>
-          <a:bodyPr/>
-          <a:lstStyle/>
-          <a:p>
-            <a:pPr marL="0" indent="0">
-              <a:buNone/>
-            </a:pPr>
-            <a:r>
-              <a:rPr dirty="0">
-                <a:latin typeface="Bahnschrift Light Condensed" panose="020B0502040204020203" pitchFamily="34" charset="0"/>
-              </a:rPr>
-              <a:t>•</a:t>
-            </a:r>
+          <a:bodyPr>
+            <a:normAutofit fontScale="92500" lnSpcReduction="20000"/>
+          </a:bodyPr>
+          <a:lstStyle/>
+          <a:p>
+            <a:endParaRPr dirty="0"/>
+          </a:p>
+          <a:p>
             <a:r>
               <a:rPr dirty="0"/>
-              <a:t> </a:t>
-            </a:r>
-            <a:r>
-              <a:rPr dirty="0">
-                <a:latin typeface="Bahnschrift Light Condensed" panose="020B0502040204020203" pitchFamily="34" charset="0"/>
-              </a:rPr>
-              <a:t>Languages: Python (pandas, scikit-learn, </a:t>
-            </a:r>
-            <a:r>
-              <a:rPr lang="en-IN" dirty="0">
-                <a:latin typeface="Bahnschrift Light Condensed" panose="020B0502040204020203" pitchFamily="34" charset="0"/>
-              </a:rPr>
-              <a:t>	</a:t>
-            </a:r>
-            <a:r>
-              <a:rPr dirty="0">
-                <a:latin typeface="Bahnschrift Light Condensed" panose="020B0502040204020203" pitchFamily="34" charset="0"/>
-              </a:rPr>
-              <a:t>matplotlib)</a:t>
-            </a:r>
-            <a:endParaRPr lang="en-IN" dirty="0">
-              <a:latin typeface="Bahnschrift Light Condensed" panose="020B0502040204020203" pitchFamily="34" charset="0"/>
-            </a:endParaRPr>
-          </a:p>
-          <a:p>
-            <a:pPr marL="0" indent="0">
-              <a:buNone/>
-            </a:pPr>
-            <a:endParaRPr dirty="0">
-              <a:latin typeface="Bahnschrift Light Condensed" panose="020B0502040204020203" pitchFamily="34" charset="0"/>
-            </a:endParaRPr>
-          </a:p>
-          <a:p>
-            <a:pPr marL="0" indent="0">
-              <a:buNone/>
-            </a:pPr>
-            <a:r>
-              <a:rPr dirty="0">
-                <a:latin typeface="Bahnschrift Light Condensed" panose="020B0502040204020203" pitchFamily="34" charset="0"/>
-              </a:rPr>
-              <a:t>• GitHub: [</a:t>
-            </a:r>
-            <a:r>
-              <a:rPr lang="en-US" dirty="0">
-                <a:latin typeface="Bahnschrift Light Condensed" panose="020B0502040204020203" pitchFamily="34" charset="0"/>
-                <a:hlinkClick r:id="rId2" action="ppaction://hlinkpres?slideindex=1&amp;slidetitle="/>
-              </a:rPr>
-              <a:t>https://github.com/ar-five5/mL_Project/tree/main</a:t>
-            </a:r>
-            <a:r>
-              <a:rPr dirty="0">
-                <a:latin typeface="Bahnschrift Light Condensed" panose="020B0502040204020203" pitchFamily="34" charset="0"/>
-              </a:rPr>
-              <a:t>]</a:t>
-            </a:r>
-            <a:endParaRPr lang="en-IN" dirty="0">
-              <a:latin typeface="Bahnschrift Light Condensed" panose="020B0502040204020203" pitchFamily="34" charset="0"/>
-            </a:endParaRPr>
-          </a:p>
-          <a:p>
-            <a:pPr marL="0" indent="0">
-              <a:buNone/>
-            </a:pPr>
-            <a:endParaRPr dirty="0">
-              <a:latin typeface="Bahnschrift Light Condensed" panose="020B0502040204020203" pitchFamily="34" charset="0"/>
-            </a:endParaRPr>
-          </a:p>
-          <a:p>
-            <a:pPr marL="0" indent="0">
-              <a:buNone/>
-            </a:pPr>
-            <a:r>
-              <a:rPr dirty="0">
-                <a:latin typeface="Bahnschrift Light Condensed" panose="020B0502040204020203" pitchFamily="34" charset="0"/>
-              </a:rPr>
-              <a:t>• Includes: Jupyter notebooks, graphs, model evaluations</a:t>
+              <a:t>High accuracy in predicting attrition and future salary.</a:t>
+            </a:r>
+          </a:p>
+          <a:p>
+            <a:r>
+              <a:rPr dirty="0"/>
+              <a:t>Combining classification and regression provides financial perspective.</a:t>
+            </a:r>
+          </a:p>
+          <a:p>
+            <a:r>
+              <a:rPr dirty="0"/>
+              <a:t>Supports proactive HR intervention for valuable employees.</a:t>
+            </a:r>
+          </a:p>
+          <a:p>
+            <a:r>
+              <a:rPr dirty="0"/>
+              <a:t>Scalable solution, retraining recommended for real-world deployment.</a:t>
             </a:r>
           </a:p>
         </p:txBody>
@@ -3893,7 +3314,7 @@
 </p:sld>
 </file>
 
-<file path=ppt/slides/slide11.xml><?xml version="1.0" encoding="utf-8"?>
+<file path=ppt/slides/slide2.xml><?xml version="1.0" encoding="utf-8"?>
 <p:sld xmlns:a="http://schemas.openxmlformats.org/drawingml/2006/main" xmlns:r="http://schemas.openxmlformats.org/officeDocument/2006/relationships" xmlns:p="http://schemas.openxmlformats.org/presentationml/2006/main">
   <p:cSld>
     <p:spTree>
@@ -3923,22 +3344,15 @@
         <p:spPr/>
         <p:txBody>
           <a:bodyPr>
-            <a:noAutofit/>
+            <a:normAutofit/>
           </a:bodyPr>
           <a:lstStyle/>
           <a:p>
             <a:r>
-              <a:rPr u="sng" dirty="0">
-                <a:effectLst>
-                  <a:outerShdw blurRad="38100" dist="38100" dir="2700000" algn="tl">
-                    <a:srgbClr val="000000">
-                      <a:alpha val="43137"/>
-                    </a:srgbClr>
-                  </a:outerShdw>
-                </a:effectLst>
+              <a:rPr sz="4800" u="sng" dirty="0">
                 <a:latin typeface="Arial Black" panose="020B0A04020102020204" pitchFamily="34" charset="0"/>
               </a:rPr>
-              <a:t>Key Takeaways &amp; Future Work</a:t>
+              <a:t>Abstract &amp; Objectives</a:t>
             </a:r>
           </a:p>
         </p:txBody>
@@ -3955,66 +3369,40 @@
         </p:nvSpPr>
         <p:spPr>
           <a:xfrm>
-            <a:off x="457200" y="2562364"/>
-            <a:ext cx="8229600" cy="3137866"/>
+            <a:off x="457200" y="2064470"/>
+            <a:ext cx="8229600" cy="4185501"/>
           </a:xfrm>
         </p:spPr>
         <p:txBody>
-          <a:bodyPr/>
-          <a:lstStyle/>
-          <a:p>
-            <a:pPr marL="0" indent="0">
-              <a:buNone/>
-            </a:pPr>
-            <a:r>
-              <a:rPr dirty="0">
-                <a:latin typeface="Bahnschrift Light Condensed" panose="020B0502040204020203" pitchFamily="34" charset="0"/>
-              </a:rPr>
-              <a:t>• Predict attrition and quantify its cost</a:t>
-            </a:r>
-            <a:endParaRPr lang="en-IN" dirty="0">
-              <a:latin typeface="Bahnschrift Light Condensed" panose="020B0502040204020203" pitchFamily="34" charset="0"/>
-            </a:endParaRPr>
-          </a:p>
-          <a:p>
-            <a:pPr marL="0" indent="0">
-              <a:buNone/>
-            </a:pPr>
-            <a:endParaRPr dirty="0">
-              <a:latin typeface="Bahnschrift Light Condensed" panose="020B0502040204020203" pitchFamily="34" charset="0"/>
-            </a:endParaRPr>
-          </a:p>
-          <a:p>
-            <a:pPr marL="0" indent="0">
-              <a:buNone/>
-            </a:pPr>
-            <a:r>
-              <a:rPr dirty="0">
-                <a:latin typeface="Bahnschrift Light Condensed" panose="020B0502040204020203" pitchFamily="34" charset="0"/>
-              </a:rPr>
-              <a:t>• Support HR decision-making</a:t>
-            </a:r>
-            <a:endParaRPr lang="en-IN" dirty="0">
-              <a:latin typeface="Bahnschrift Light Condensed" panose="020B0502040204020203" pitchFamily="34" charset="0"/>
-            </a:endParaRPr>
-          </a:p>
-          <a:p>
-            <a:pPr marL="0" indent="0">
-              <a:buNone/>
-            </a:pPr>
-            <a:endParaRPr dirty="0">
-              <a:latin typeface="Bahnschrift Light Condensed" panose="020B0502040204020203" pitchFamily="34" charset="0"/>
-            </a:endParaRPr>
-          </a:p>
-          <a:p>
-            <a:pPr marL="0" indent="0">
-              <a:buNone/>
-            </a:pPr>
-            <a:r>
-              <a:rPr dirty="0">
-                <a:latin typeface="Bahnschrift Light Condensed" panose="020B0502040204020203" pitchFamily="34" charset="0"/>
-              </a:rPr>
-              <a:t>• Future: Add time-series trends, use real salary datasets</a:t>
+          <a:bodyPr>
+            <a:normAutofit fontScale="92500"/>
+          </a:bodyPr>
+          <a:lstStyle/>
+          <a:p>
+            <a:endParaRPr dirty="0"/>
+          </a:p>
+          <a:p>
+            <a:r>
+              <a:rPr dirty="0"/>
+              <a:t>Predict employee attrition using classification models.</a:t>
+            </a:r>
+          </a:p>
+          <a:p>
+            <a:r>
+              <a:rPr dirty="0"/>
+              <a:t>Estimate future salary using regression models.</a:t>
+            </a:r>
+          </a:p>
+          <a:p>
+            <a:r>
+              <a:rPr dirty="0"/>
+              <a:t>Compute expected financial loss by combining attrition probability and future salary.</a:t>
+            </a:r>
+          </a:p>
+          <a:p>
+            <a:r>
+              <a:rPr dirty="0"/>
+              <a:t>Provide actionable insights for HR planning and retention strategies.</a:t>
             </a:r>
           </a:p>
         </p:txBody>
@@ -4027,7 +3415,7 @@
 </p:sld>
 </file>
 
-<file path=ppt/slides/slide12.xml><?xml version="1.0" encoding="utf-8"?>
+<file path=ppt/slides/slide3.xml><?xml version="1.0" encoding="utf-8"?>
 <p:sld xmlns:a="http://schemas.openxmlformats.org/drawingml/2006/main" xmlns:r="http://schemas.openxmlformats.org/officeDocument/2006/relationships" xmlns:p="http://schemas.openxmlformats.org/presentationml/2006/main">
   <p:cSld>
     <p:spTree>
@@ -4046,13 +3434,7 @@
       </p:grpSpPr>
       <p:sp>
         <p:nvSpPr>
-          <p:cNvPr id="2" name="Title 1">
-            <a:extLst>
-              <a:ext uri="{FF2B5EF4-FFF2-40B4-BE49-F238E27FC236}">
-                <a16:creationId xmlns:a16="http://schemas.microsoft.com/office/drawing/2014/main" id="{C60F4F38-B38C-45FE-9E8A-67FE857CC576}"/>
-              </a:ext>
-            </a:extLst>
-          </p:cNvPr>
+          <p:cNvPr id="2" name="Title 1"/>
           <p:cNvSpPr>
             <a:spLocks noGrp="1"/>
           </p:cNvSpPr>
@@ -4068,14 +3450,399 @@
           <a:lstStyle/>
           <a:p>
             <a:r>
-              <a:rPr lang="en-IN" sz="5400" b="1" u="sng" dirty="0">
+              <a:rPr sz="4800" u="sng" dirty="0">
+                <a:effectLst>
+                  <a:outerShdw blurRad="38100" dist="38100" dir="2700000" algn="tl">
+                    <a:srgbClr val="000000">
+                      <a:alpha val="43137"/>
+                    </a:srgbClr>
+                  </a:outerShdw>
+                </a:effectLst>
                 <a:latin typeface="Arial Black" panose="020B0A04020102020204" pitchFamily="34" charset="0"/>
               </a:rPr>
-              <a:t>Graphs and Results</a:t>
-            </a:r>
-            <a:endParaRPr lang="en-US" sz="5400" b="1" u="sng" dirty="0">
-              <a:latin typeface="Arial Black" panose="020B0A04020102020204" pitchFamily="34" charset="0"/>
-            </a:endParaRPr>
+              <a:t>Problem Statement</a:t>
+            </a:r>
+          </a:p>
+        </p:txBody>
+      </p:sp>
+      <p:sp>
+        <p:nvSpPr>
+          <p:cNvPr id="3" name="Content Placeholder 2"/>
+          <p:cNvSpPr>
+            <a:spLocks noGrp="1"/>
+          </p:cNvSpPr>
+          <p:nvPr>
+            <p:ph idx="1"/>
+          </p:nvPr>
+        </p:nvSpPr>
+        <p:spPr/>
+        <p:txBody>
+          <a:bodyPr/>
+          <a:lstStyle/>
+          <a:p>
+            <a:endParaRPr dirty="0"/>
+          </a:p>
+          <a:p>
+            <a:r>
+              <a:rPr dirty="0"/>
+              <a:t>High attrition causes disruptions, training costs, and knowledge loss.</a:t>
+            </a:r>
+            <a:endParaRPr lang="en-IN" dirty="0"/>
+          </a:p>
+          <a:p>
+            <a:endParaRPr dirty="0"/>
+          </a:p>
+          <a:p>
+            <a:r>
+              <a:rPr dirty="0"/>
+              <a:t>Strategic HR planning requires understanding who might leave and the financial impact.</a:t>
+            </a:r>
+          </a:p>
+        </p:txBody>
+      </p:sp>
+    </p:spTree>
+  </p:cSld>
+  <p:clrMapOvr>
+    <a:masterClrMapping/>
+  </p:clrMapOvr>
+</p:sld>
+</file>
+
+<file path=ppt/slides/slide4.xml><?xml version="1.0" encoding="utf-8"?>
+<p:sld xmlns:a="http://schemas.openxmlformats.org/drawingml/2006/main" xmlns:r="http://schemas.openxmlformats.org/officeDocument/2006/relationships" xmlns:p="http://schemas.openxmlformats.org/presentationml/2006/main">
+  <p:cSld>
+    <p:spTree>
+      <p:nvGrpSpPr>
+        <p:cNvPr id="1" name=""/>
+        <p:cNvGrpSpPr/>
+        <p:nvPr/>
+      </p:nvGrpSpPr>
+      <p:grpSpPr>
+        <a:xfrm>
+          <a:off x="0" y="0"/>
+          <a:ext cx="0" cy="0"/>
+          <a:chOff x="0" y="0"/>
+          <a:chExt cx="0" cy="0"/>
+        </a:xfrm>
+      </p:grpSpPr>
+      <p:sp>
+        <p:nvSpPr>
+          <p:cNvPr id="2" name="Title 1"/>
+          <p:cNvSpPr>
+            <a:spLocks noGrp="1"/>
+          </p:cNvSpPr>
+          <p:nvPr>
+            <p:ph type="title"/>
+          </p:nvPr>
+        </p:nvSpPr>
+        <p:spPr/>
+        <p:txBody>
+          <a:bodyPr>
+            <a:normAutofit/>
+          </a:bodyPr>
+          <a:lstStyle/>
+          <a:p>
+            <a:r>
+              <a:rPr sz="4800" u="sng" dirty="0">
+                <a:effectLst>
+                  <a:outerShdw blurRad="38100" dist="38100" dir="2700000" algn="tl">
+                    <a:srgbClr val="000000">
+                      <a:alpha val="43137"/>
+                    </a:srgbClr>
+                  </a:outerShdw>
+                </a:effectLst>
+                <a:latin typeface="Arial Black" panose="020B0A04020102020204" pitchFamily="34" charset="0"/>
+              </a:rPr>
+              <a:t>Overview of Approach</a:t>
+            </a:r>
+          </a:p>
+        </p:txBody>
+      </p:sp>
+      <p:sp>
+        <p:nvSpPr>
+          <p:cNvPr id="3" name="Content Placeholder 2"/>
+          <p:cNvSpPr>
+            <a:spLocks noGrp="1"/>
+          </p:cNvSpPr>
+          <p:nvPr>
+            <p:ph idx="1"/>
+          </p:nvPr>
+        </p:nvSpPr>
+        <p:spPr>
+          <a:xfrm>
+            <a:off x="457200" y="2262433"/>
+            <a:ext cx="8229600" cy="3863730"/>
+          </a:xfrm>
+        </p:spPr>
+        <p:txBody>
+          <a:bodyPr>
+            <a:normAutofit fontScale="92500" lnSpcReduction="10000"/>
+          </a:bodyPr>
+          <a:lstStyle/>
+          <a:p>
+            <a:endParaRPr dirty="0"/>
+          </a:p>
+          <a:p>
+            <a:r>
+              <a:rPr dirty="0"/>
+              <a:t>Classification: Predict likelihood of employee leaving.</a:t>
+            </a:r>
+          </a:p>
+          <a:p>
+            <a:r>
+              <a:rPr dirty="0"/>
+              <a:t>Regression: Predict future salary of likely-to-stay employees.</a:t>
+            </a:r>
+          </a:p>
+          <a:p>
+            <a:r>
+              <a:rPr dirty="0"/>
+              <a:t>Expected Loss = P(attrition) × FutureSalary</a:t>
+            </a:r>
+          </a:p>
+          <a:p>
+            <a:r>
+              <a:rPr dirty="0"/>
+              <a:t>Models evaluated with F1-score, ROC-AUC, R², RMSE.</a:t>
+            </a:r>
+          </a:p>
+        </p:txBody>
+      </p:sp>
+    </p:spTree>
+  </p:cSld>
+  <p:clrMapOvr>
+    <a:masterClrMapping/>
+  </p:clrMapOvr>
+</p:sld>
+</file>
+
+<file path=ppt/slides/slide5.xml><?xml version="1.0" encoding="utf-8"?>
+<p:sld xmlns:a="http://schemas.openxmlformats.org/drawingml/2006/main" xmlns:r="http://schemas.openxmlformats.org/officeDocument/2006/relationships" xmlns:p="http://schemas.openxmlformats.org/presentationml/2006/main">
+  <p:cSld>
+    <p:spTree>
+      <p:nvGrpSpPr>
+        <p:cNvPr id="1" name=""/>
+        <p:cNvGrpSpPr/>
+        <p:nvPr/>
+      </p:nvGrpSpPr>
+      <p:grpSpPr>
+        <a:xfrm>
+          <a:off x="0" y="0"/>
+          <a:ext cx="0" cy="0"/>
+          <a:chOff x="0" y="0"/>
+          <a:chExt cx="0" cy="0"/>
+        </a:xfrm>
+      </p:grpSpPr>
+      <p:sp>
+        <p:nvSpPr>
+          <p:cNvPr id="2" name="Title 1"/>
+          <p:cNvSpPr>
+            <a:spLocks noGrp="1"/>
+          </p:cNvSpPr>
+          <p:nvPr>
+            <p:ph type="title"/>
+          </p:nvPr>
+        </p:nvSpPr>
+        <p:spPr/>
+        <p:txBody>
+          <a:bodyPr>
+            <a:normAutofit/>
+          </a:bodyPr>
+          <a:lstStyle/>
+          <a:p>
+            <a:r>
+              <a:rPr sz="4800" u="sng" dirty="0">
+                <a:latin typeface="Arial Black" panose="020B0A04020102020204" pitchFamily="34" charset="0"/>
+              </a:rPr>
+              <a:t>Data &amp; Preprocessing</a:t>
+            </a:r>
+          </a:p>
+        </p:txBody>
+      </p:sp>
+      <p:sp>
+        <p:nvSpPr>
+          <p:cNvPr id="3" name="Content Placeholder 2"/>
+          <p:cNvSpPr>
+            <a:spLocks noGrp="1"/>
+          </p:cNvSpPr>
+          <p:nvPr>
+            <p:ph idx="1"/>
+          </p:nvPr>
+        </p:nvSpPr>
+        <p:spPr>
+          <a:xfrm>
+            <a:off x="457200" y="2300140"/>
+            <a:ext cx="8229600" cy="4283221"/>
+          </a:xfrm>
+        </p:spPr>
+        <p:txBody>
+          <a:bodyPr>
+            <a:normAutofit lnSpcReduction="10000"/>
+          </a:bodyPr>
+          <a:lstStyle/>
+          <a:p>
+            <a:endParaRPr dirty="0"/>
+          </a:p>
+          <a:p>
+            <a:r>
+              <a:rPr dirty="0"/>
+              <a:t>IBM HR Analytics Dataset - 1470 entries, </a:t>
+            </a:r>
+            <a:r>
+              <a:rPr lang="en-IN" dirty="0"/>
+              <a:t>35</a:t>
+            </a:r>
+            <a:r>
+              <a:rPr dirty="0"/>
+              <a:t> features.</a:t>
+            </a:r>
+          </a:p>
+          <a:p>
+            <a:r>
+              <a:rPr lang="en-IN" dirty="0"/>
+              <a:t>Label </a:t>
+            </a:r>
+            <a:r>
+              <a:rPr dirty="0"/>
+              <a:t>Encoding: Ordinal for categoricals, Scaling for numericals.</a:t>
+            </a:r>
+            <a:endParaRPr lang="en-IN" dirty="0"/>
+          </a:p>
+          <a:p>
+            <a:r>
+              <a:rPr lang="en-US" dirty="0"/>
+              <a:t>Split the data into training and testing data (test_size = 20 to 30 %)</a:t>
+            </a:r>
+          </a:p>
+          <a:p>
+            <a:r>
+              <a:rPr lang="en-US" dirty="0"/>
+              <a:t>Standardized the data (StandardScalar)</a:t>
+            </a:r>
+            <a:endParaRPr dirty="0"/>
+          </a:p>
+          <a:p>
+            <a:pPr marL="0" indent="0">
+              <a:buNone/>
+            </a:pPr>
+            <a:endParaRPr dirty="0"/>
+          </a:p>
+        </p:txBody>
+      </p:sp>
+    </p:spTree>
+  </p:cSld>
+  <p:clrMapOvr>
+    <a:masterClrMapping/>
+  </p:clrMapOvr>
+</p:sld>
+</file>
+
+<file path=ppt/slides/slide6.xml><?xml version="1.0" encoding="utf-8"?>
+<p:sld xmlns:a="http://schemas.openxmlformats.org/drawingml/2006/main" xmlns:r="http://schemas.openxmlformats.org/officeDocument/2006/relationships" xmlns:p="http://schemas.openxmlformats.org/presentationml/2006/main">
+  <p:cSld>
+    <p:spTree>
+      <p:nvGrpSpPr>
+        <p:cNvPr id="1" name=""/>
+        <p:cNvGrpSpPr/>
+        <p:nvPr/>
+      </p:nvGrpSpPr>
+      <p:grpSpPr>
+        <a:xfrm>
+          <a:off x="0" y="0"/>
+          <a:ext cx="0" cy="0"/>
+          <a:chOff x="0" y="0"/>
+          <a:chExt cx="0" cy="0"/>
+        </a:xfrm>
+      </p:grpSpPr>
+      <p:sp>
+        <p:nvSpPr>
+          <p:cNvPr id="2" name="Title 1"/>
+          <p:cNvSpPr>
+            <a:spLocks noGrp="1"/>
+          </p:cNvSpPr>
+          <p:nvPr>
+            <p:ph type="title"/>
+          </p:nvPr>
+        </p:nvSpPr>
+        <p:spPr/>
+        <p:txBody>
+          <a:bodyPr>
+            <a:normAutofit/>
+          </a:bodyPr>
+          <a:lstStyle/>
+          <a:p>
+            <a:r>
+              <a:rPr sz="4800" u="sng" dirty="0">
+                <a:effectLst>
+                  <a:outerShdw blurRad="38100" dist="38100" dir="2700000" algn="tl">
+                    <a:srgbClr val="000000">
+                      <a:alpha val="43137"/>
+                    </a:srgbClr>
+                  </a:outerShdw>
+                </a:effectLst>
+                <a:latin typeface="Arial Black" panose="020B0A04020102020204" pitchFamily="34" charset="0"/>
+              </a:rPr>
+              <a:t>Classification Pipeline</a:t>
+            </a:r>
+          </a:p>
+        </p:txBody>
+      </p:sp>
+      <p:sp>
+        <p:nvSpPr>
+          <p:cNvPr id="3" name="Content Placeholder 2"/>
+          <p:cNvSpPr>
+            <a:spLocks noGrp="1"/>
+          </p:cNvSpPr>
+          <p:nvPr>
+            <p:ph idx="1"/>
+          </p:nvPr>
+        </p:nvSpPr>
+        <p:spPr>
+          <a:xfrm>
+            <a:off x="4289196" y="1819373"/>
+            <a:ext cx="4397604" cy="4306790"/>
+          </a:xfrm>
+        </p:spPr>
+        <p:txBody>
+          <a:bodyPr/>
+          <a:lstStyle/>
+          <a:p>
+            <a:endParaRPr dirty="0"/>
+          </a:p>
+          <a:p>
+            <a:r>
+              <a:rPr dirty="0"/>
+              <a:t>Soft Voting Ensemble: Logistic Regression, Random Forest</a:t>
+            </a:r>
+            <a:r>
+              <a:rPr lang="en-IN" dirty="0"/>
+              <a:t>.</a:t>
+            </a:r>
+          </a:p>
+          <a:p>
+            <a:endParaRPr dirty="0"/>
+          </a:p>
+          <a:p>
+            <a:r>
+              <a:rPr dirty="0"/>
+              <a:t>F1 Score: 0.</a:t>
+            </a:r>
+            <a:r>
+              <a:rPr lang="en-IN" dirty="0"/>
+              <a:t>50</a:t>
+            </a:r>
+            <a:r>
+              <a:rPr dirty="0"/>
+              <a:t>, Test ROC-AUC: 0.</a:t>
+            </a:r>
+            <a:r>
+              <a:rPr lang="en-IN" dirty="0"/>
+              <a:t>78</a:t>
+            </a:r>
+            <a:r>
+              <a:rPr dirty="0"/>
+              <a:t>.</a:t>
+            </a:r>
           </a:p>
         </p:txBody>
       </p:sp>
@@ -4101,8 +3868,498 @@
         </p:blipFill>
         <p:spPr>
           <a:xfrm>
-            <a:off x="669303" y="1531595"/>
-            <a:ext cx="2890724" cy="2861720"/>
+            <a:off x="457200" y="1819373"/>
+            <a:ext cx="3831996" cy="4306790"/>
+          </a:xfrm>
+          <a:prstGeom prst="rect">
+            <a:avLst/>
+          </a:prstGeom>
+        </p:spPr>
+      </p:pic>
+    </p:spTree>
+  </p:cSld>
+  <p:clrMapOvr>
+    <a:masterClrMapping/>
+  </p:clrMapOvr>
+</p:sld>
+</file>
+
+<file path=ppt/slides/slide7.xml><?xml version="1.0" encoding="utf-8"?>
+<p:sld xmlns:a="http://schemas.openxmlformats.org/drawingml/2006/main" xmlns:r="http://schemas.openxmlformats.org/officeDocument/2006/relationships" xmlns:p="http://schemas.openxmlformats.org/presentationml/2006/main">
+  <p:cSld>
+    <p:spTree>
+      <p:nvGrpSpPr>
+        <p:cNvPr id="1" name=""/>
+        <p:cNvGrpSpPr/>
+        <p:nvPr/>
+      </p:nvGrpSpPr>
+      <p:grpSpPr>
+        <a:xfrm>
+          <a:off x="0" y="0"/>
+          <a:ext cx="0" cy="0"/>
+          <a:chOff x="0" y="0"/>
+          <a:chExt cx="0" cy="0"/>
+        </a:xfrm>
+      </p:grpSpPr>
+      <p:sp>
+        <p:nvSpPr>
+          <p:cNvPr id="2" name="Title 1"/>
+          <p:cNvSpPr>
+            <a:spLocks noGrp="1"/>
+          </p:cNvSpPr>
+          <p:nvPr>
+            <p:ph type="title"/>
+          </p:nvPr>
+        </p:nvSpPr>
+        <p:spPr/>
+        <p:txBody>
+          <a:bodyPr>
+            <a:normAutofit/>
+          </a:bodyPr>
+          <a:lstStyle/>
+          <a:p>
+            <a:r>
+              <a:rPr sz="4800" u="sng" dirty="0">
+                <a:effectLst>
+                  <a:outerShdw blurRad="38100" dist="38100" dir="2700000" algn="tl">
+                    <a:srgbClr val="000000">
+                      <a:alpha val="43137"/>
+                    </a:srgbClr>
+                  </a:outerShdw>
+                </a:effectLst>
+                <a:latin typeface="Arial Black" panose="020B0A04020102020204" pitchFamily="34" charset="0"/>
+              </a:rPr>
+              <a:t>Regression Pipeline</a:t>
+            </a:r>
+          </a:p>
+        </p:txBody>
+      </p:sp>
+      <p:sp>
+        <p:nvSpPr>
+          <p:cNvPr id="3" name="Content Placeholder 2"/>
+          <p:cNvSpPr>
+            <a:spLocks noGrp="1"/>
+          </p:cNvSpPr>
+          <p:nvPr>
+            <p:ph idx="1"/>
+          </p:nvPr>
+        </p:nvSpPr>
+        <p:spPr>
+          <a:xfrm>
+            <a:off x="4572000" y="2055042"/>
+            <a:ext cx="4114800" cy="4270343"/>
+          </a:xfrm>
+        </p:spPr>
+        <p:txBody>
+          <a:bodyPr>
+            <a:normAutofit fontScale="92500" lnSpcReduction="10000"/>
+          </a:bodyPr>
+          <a:lstStyle/>
+          <a:p>
+            <a:endParaRPr dirty="0"/>
+          </a:p>
+          <a:p>
+            <a:r>
+              <a:rPr dirty="0"/>
+              <a:t>Voting Regressor: Random Forest, Ridge</a:t>
+            </a:r>
+            <a:r>
+              <a:rPr lang="en-IN" dirty="0"/>
+              <a:t>.</a:t>
+            </a:r>
+            <a:endParaRPr lang="en-US" dirty="0"/>
+          </a:p>
+          <a:p>
+            <a:r>
+              <a:rPr lang="en-GB" dirty="0"/>
+              <a:t>Future salary simulated using performance-based increments.</a:t>
+            </a:r>
+          </a:p>
+          <a:p>
+            <a:r>
+              <a:rPr dirty="0"/>
+              <a:t>R²: 0.999</a:t>
+            </a:r>
+            <a:r>
+              <a:rPr lang="en-IN" dirty="0"/>
+              <a:t>496</a:t>
+            </a:r>
+            <a:r>
+              <a:rPr dirty="0"/>
+              <a:t>, RMSE: </a:t>
+            </a:r>
+            <a:r>
+              <a:rPr lang="en-IN" dirty="0"/>
+              <a:t>115.576227</a:t>
+            </a:r>
+            <a:endParaRPr dirty="0"/>
+          </a:p>
+        </p:txBody>
+      </p:sp>
+      <p:pic>
+        <p:nvPicPr>
+          <p:cNvPr id="6" name="Picture 5">
+            <a:extLst>
+              <a:ext uri="{FF2B5EF4-FFF2-40B4-BE49-F238E27FC236}">
+                <a16:creationId xmlns:a16="http://schemas.microsoft.com/office/drawing/2014/main" id="{A15AADD7-52E4-E4FA-ABB0-1F7D9DB81B4A}"/>
+              </a:ext>
+            </a:extLst>
+          </p:cNvPr>
+          <p:cNvPicPr>
+            <a:picLocks noChangeAspect="1"/>
+          </p:cNvPicPr>
+          <p:nvPr/>
+        </p:nvPicPr>
+        <p:blipFill>
+          <a:blip r:embed="rId2"/>
+          <a:stretch>
+            <a:fillRect/>
+          </a:stretch>
+        </p:blipFill>
+        <p:spPr>
+          <a:xfrm>
+            <a:off x="457200" y="2055043"/>
+            <a:ext cx="4114799" cy="4270342"/>
+          </a:xfrm>
+          <a:prstGeom prst="rect">
+            <a:avLst/>
+          </a:prstGeom>
+        </p:spPr>
+      </p:pic>
+    </p:spTree>
+  </p:cSld>
+  <p:clrMapOvr>
+    <a:masterClrMapping/>
+  </p:clrMapOvr>
+</p:sld>
+</file>
+
+<file path=ppt/slides/slide8.xml><?xml version="1.0" encoding="utf-8"?>
+<p:sld xmlns:a="http://schemas.openxmlformats.org/drawingml/2006/main" xmlns:r="http://schemas.openxmlformats.org/officeDocument/2006/relationships" xmlns:p="http://schemas.openxmlformats.org/presentationml/2006/main">
+  <p:cSld>
+    <p:spTree>
+      <p:nvGrpSpPr>
+        <p:cNvPr id="1" name=""/>
+        <p:cNvGrpSpPr/>
+        <p:nvPr/>
+      </p:nvGrpSpPr>
+      <p:grpSpPr>
+        <a:xfrm>
+          <a:off x="0" y="0"/>
+          <a:ext cx="0" cy="0"/>
+          <a:chOff x="0" y="0"/>
+          <a:chExt cx="0" cy="0"/>
+        </a:xfrm>
+      </p:grpSpPr>
+      <p:sp>
+        <p:nvSpPr>
+          <p:cNvPr id="2" name="Title 1"/>
+          <p:cNvSpPr>
+            <a:spLocks noGrp="1"/>
+          </p:cNvSpPr>
+          <p:nvPr>
+            <p:ph type="title"/>
+          </p:nvPr>
+        </p:nvSpPr>
+        <p:spPr/>
+        <p:txBody>
+          <a:bodyPr>
+            <a:normAutofit/>
+          </a:bodyPr>
+          <a:lstStyle/>
+          <a:p>
+            <a:r>
+              <a:rPr sz="4800" u="sng" dirty="0">
+                <a:effectLst>
+                  <a:outerShdw blurRad="38100" dist="38100" dir="2700000" algn="tl">
+                    <a:srgbClr val="000000">
+                      <a:alpha val="43137"/>
+                    </a:srgbClr>
+                  </a:outerShdw>
+                </a:effectLst>
+                <a:latin typeface="Arial Black" panose="020B0A04020102020204" pitchFamily="34" charset="0"/>
+              </a:rPr>
+              <a:t>Expected Loss Formula</a:t>
+            </a:r>
+          </a:p>
+        </p:txBody>
+      </p:sp>
+      <p:sp>
+        <p:nvSpPr>
+          <p:cNvPr id="3" name="Content Placeholder 2"/>
+          <p:cNvSpPr>
+            <a:spLocks noGrp="1"/>
+          </p:cNvSpPr>
+          <p:nvPr>
+            <p:ph idx="1"/>
+          </p:nvPr>
+        </p:nvSpPr>
+        <p:spPr>
+          <a:xfrm>
+            <a:off x="457200" y="1998482"/>
+            <a:ext cx="8229600" cy="4127681"/>
+          </a:xfrm>
+        </p:spPr>
+        <p:txBody>
+          <a:bodyPr/>
+          <a:lstStyle/>
+          <a:p>
+            <a:endParaRPr dirty="0"/>
+          </a:p>
+          <a:p>
+            <a:r>
+              <a:rPr dirty="0"/>
+              <a:t>ExpectedLoss = P(attrition) × FutureSalary.</a:t>
+            </a:r>
+          </a:p>
+          <a:p>
+            <a:r>
+              <a:rPr dirty="0"/>
+              <a:t>Calculated only for employees with P(stay) &gt; 0.6.</a:t>
+            </a:r>
+          </a:p>
+          <a:p>
+            <a:r>
+              <a:rPr dirty="0"/>
+              <a:t>Total Loss Estimate: ₹</a:t>
+            </a:r>
+            <a:r>
+              <a:rPr lang="en-IN" dirty="0"/>
+              <a:t>9089929.4942</a:t>
+            </a:r>
+          </a:p>
+          <a:p>
+            <a:r>
+              <a:rPr dirty="0"/>
+              <a:t>Likely-to-stay Loss Estimate:</a:t>
+            </a:r>
+            <a:r>
+              <a:rPr lang="en-US" dirty="0"/>
+              <a:t> </a:t>
+            </a:r>
+            <a:r>
+              <a:rPr dirty="0">
+                <a:solidFill>
+                  <a:schemeClr val="bg2">
+                    <a:lumMod val="10000"/>
+                  </a:schemeClr>
+                </a:solidFill>
+              </a:rPr>
+              <a:t>₹</a:t>
+            </a:r>
+            <a:r>
+              <a:rPr lang="en-US" b="0" i="0" dirty="0">
+                <a:solidFill>
+                  <a:schemeClr val="bg2">
+                    <a:lumMod val="10000"/>
+                  </a:schemeClr>
+                </a:solidFill>
+                <a:effectLst/>
+              </a:rPr>
+              <a:t>1234124.2257</a:t>
+            </a:r>
+            <a:endParaRPr dirty="0">
+              <a:solidFill>
+                <a:schemeClr val="bg2">
+                  <a:lumMod val="10000"/>
+                </a:schemeClr>
+              </a:solidFill>
+            </a:endParaRPr>
+          </a:p>
+        </p:txBody>
+      </p:sp>
+      <p:sp>
+        <p:nvSpPr>
+          <p:cNvPr id="6" name="Rectangle 3">
+            <a:extLst>
+              <a:ext uri="{FF2B5EF4-FFF2-40B4-BE49-F238E27FC236}">
+                <a16:creationId xmlns:a16="http://schemas.microsoft.com/office/drawing/2014/main" id="{0A153579-FCE2-FDB7-165F-B84145673C2E}"/>
+              </a:ext>
+            </a:extLst>
+          </p:cNvPr>
+          <p:cNvSpPr>
+            <a:spLocks noChangeArrowheads="1"/>
+          </p:cNvSpPr>
+          <p:nvPr/>
+        </p:nvSpPr>
+        <p:spPr bwMode="auto">
+          <a:xfrm>
+            <a:off x="304800" y="394900"/>
+            <a:ext cx="65" cy="276999"/>
+          </a:xfrm>
+          <a:prstGeom prst="rect">
+            <a:avLst/>
+          </a:prstGeom>
+          <a:solidFill>
+            <a:srgbClr val="FFFFFF"/>
+          </a:solidFill>
+          <a:ln>
+            <a:noFill/>
+          </a:ln>
+          <a:effectLst/>
+          <a:extLst>
+            <a:ext uri="{91240B29-F687-4F45-9708-019B960494DF}">
+              <a14:hiddenLine xmlns:a14="http://schemas.microsoft.com/office/drawing/2010/main" w="9525">
+                <a:solidFill>
+                  <a:schemeClr val="tx1"/>
+                </a:solidFill>
+                <a:miter lim="800000"/>
+                <a:headEnd/>
+                <a:tailEnd/>
+              </a14:hiddenLine>
+            </a:ext>
+            <a:ext uri="{AF507438-7753-43E0-B8FC-AC1667EBCBE1}">
+              <a14:hiddenEffects xmlns:a14="http://schemas.microsoft.com/office/drawing/2010/main">
+                <a:effectLst>
+                  <a:outerShdw dist="35921" dir="2700000" algn="ctr" rotWithShape="0">
+                    <a:schemeClr val="bg2"/>
+                  </a:outerShdw>
+                </a:effectLst>
+              </a14:hiddenEffects>
+            </a:ext>
+          </a:extLst>
+        </p:spPr>
+        <p:txBody>
+          <a:bodyPr vert="horz" wrap="none" lIns="0" tIns="0" rIns="0" bIns="0" numCol="1" anchor="ctr" anchorCtr="0" compatLnSpc="1">
+            <a:prstTxWarp prst="textNoShape">
+              <a:avLst/>
+            </a:prstTxWarp>
+            <a:spAutoFit/>
+          </a:bodyPr>
+          <a:lstStyle/>
+          <a:p>
+            <a:pPr marL="0" marR="0" lvl="0" indent="0" algn="l" defTabSz="914400" rtl="0" eaLnBrk="0" fontAlgn="base" latinLnBrk="0" hangingPunct="0">
+              <a:lnSpc>
+                <a:spcPct val="100000"/>
+              </a:lnSpc>
+              <a:spcBef>
+                <a:spcPct val="0"/>
+              </a:spcBef>
+              <a:spcAft>
+                <a:spcPct val="0"/>
+              </a:spcAft>
+              <a:buClrTx/>
+              <a:buSzTx/>
+              <a:buFontTx/>
+              <a:buNone/>
+              <a:tabLst/>
+            </a:pPr>
+            <a:endParaRPr kumimoji="0" lang="en-US" altLang="en-US" sz="1800" b="0" i="0" u="none" strike="noStrike" cap="none" normalizeH="0" baseline="0" dirty="0">
+              <a:ln>
+                <a:noFill/>
+              </a:ln>
+              <a:solidFill>
+                <a:schemeClr val="tx1"/>
+              </a:solidFill>
+              <a:effectLst/>
+              <a:latin typeface="Arial" panose="020B0604020202020204" pitchFamily="34" charset="0"/>
+            </a:endParaRPr>
+          </a:p>
+        </p:txBody>
+      </p:sp>
+    </p:spTree>
+  </p:cSld>
+  <p:clrMapOvr>
+    <a:masterClrMapping/>
+  </p:clrMapOvr>
+</p:sld>
+</file>
+
+<file path=ppt/slides/slide9.xml><?xml version="1.0" encoding="utf-8"?>
+<p:sld xmlns:a="http://schemas.openxmlformats.org/drawingml/2006/main" xmlns:r="http://schemas.openxmlformats.org/officeDocument/2006/relationships" xmlns:p="http://schemas.openxmlformats.org/presentationml/2006/main">
+  <p:cSld>
+    <p:spTree>
+      <p:nvGrpSpPr>
+        <p:cNvPr id="1" name=""/>
+        <p:cNvGrpSpPr/>
+        <p:nvPr/>
+      </p:nvGrpSpPr>
+      <p:grpSpPr>
+        <a:xfrm>
+          <a:off x="0" y="0"/>
+          <a:ext cx="0" cy="0"/>
+          <a:chOff x="0" y="0"/>
+          <a:chExt cx="0" cy="0"/>
+        </a:xfrm>
+      </p:grpSpPr>
+      <p:sp>
+        <p:nvSpPr>
+          <p:cNvPr id="2" name="TextBox 1">
+            <a:extLst>
+              <a:ext uri="{FF2B5EF4-FFF2-40B4-BE49-F238E27FC236}">
+                <a16:creationId xmlns:a16="http://schemas.microsoft.com/office/drawing/2014/main" id="{6B336816-5F15-FE4F-B336-9C355195A606}"/>
+              </a:ext>
+            </a:extLst>
+          </p:cNvPr>
+          <p:cNvSpPr txBox="1"/>
+          <p:nvPr/>
+        </p:nvSpPr>
+        <p:spPr>
+          <a:xfrm>
+            <a:off x="584462" y="433633"/>
+            <a:ext cx="8003357" cy="830997"/>
+          </a:xfrm>
+          <a:prstGeom prst="rect">
+            <a:avLst/>
+          </a:prstGeom>
+          <a:noFill/>
+        </p:spPr>
+        <p:txBody>
+          <a:bodyPr wrap="square" rtlCol="0">
+            <a:spAutoFit/>
+          </a:bodyPr>
+          <a:lstStyle/>
+          <a:p>
+            <a:r>
+              <a:rPr lang="en-IN" sz="4800" u="sng" dirty="0">
+                <a:effectLst>
+                  <a:outerShdw blurRad="38100" dist="38100" dir="2700000" algn="tl">
+                    <a:srgbClr val="000000">
+                      <a:alpha val="43137"/>
+                    </a:srgbClr>
+                  </a:outerShdw>
+                </a:effectLst>
+                <a:latin typeface="Arial Black" panose="020B0A04020102020204" pitchFamily="34" charset="0"/>
+              </a:rPr>
+              <a:t>Graphs and Plots </a:t>
+            </a:r>
+            <a:endParaRPr lang="en-US" sz="4800" u="sng" dirty="0">
+              <a:effectLst>
+                <a:outerShdw blurRad="38100" dist="38100" dir="2700000" algn="tl">
+                  <a:srgbClr val="000000">
+                    <a:alpha val="43137"/>
+                  </a:srgbClr>
+                </a:outerShdw>
+              </a:effectLst>
+              <a:latin typeface="Arial Black" panose="020B0A04020102020204" pitchFamily="34" charset="0"/>
+            </a:endParaRPr>
+          </a:p>
+        </p:txBody>
+      </p:sp>
+      <p:pic>
+        <p:nvPicPr>
+          <p:cNvPr id="7" name="Picture 6">
+            <a:extLst>
+              <a:ext uri="{FF2B5EF4-FFF2-40B4-BE49-F238E27FC236}">
+                <a16:creationId xmlns:a16="http://schemas.microsoft.com/office/drawing/2014/main" id="{A52088D3-74D9-82BF-0834-D5C518AC2DE9}"/>
+              </a:ext>
+            </a:extLst>
+          </p:cNvPr>
+          <p:cNvPicPr>
+            <a:picLocks noChangeAspect="1"/>
+          </p:cNvPicPr>
+          <p:nvPr/>
+        </p:nvPicPr>
+        <p:blipFill>
+          <a:blip r:embed="rId2"/>
+          <a:stretch>
+            <a:fillRect/>
+          </a:stretch>
+        </p:blipFill>
+        <p:spPr>
+          <a:xfrm>
+            <a:off x="556181" y="1608759"/>
+            <a:ext cx="3610470" cy="2717174"/>
           </a:xfrm>
           <a:prstGeom prst="rect">
             <a:avLst/>
@@ -4111,10 +4368,10 @@
       </p:pic>
       <p:pic>
         <p:nvPicPr>
-          <p:cNvPr id="6" name="Picture 5">
+          <p:cNvPr id="9" name="Picture 8">
             <a:extLst>
               <a:ext uri="{FF2B5EF4-FFF2-40B4-BE49-F238E27FC236}">
-                <a16:creationId xmlns:a16="http://schemas.microsoft.com/office/drawing/2014/main" id="{F108A65A-8415-C1B8-A185-6734201CC591}"/>
+                <a16:creationId xmlns:a16="http://schemas.microsoft.com/office/drawing/2014/main" id="{E0341899-8D48-22C5-BE36-84A78D6071F5}"/>
               </a:ext>
             </a:extLst>
           </p:cNvPr>
@@ -4131,8 +4388,8 @@
         </p:blipFill>
         <p:spPr>
           <a:xfrm>
-            <a:off x="4141673" y="1531595"/>
-            <a:ext cx="3145247" cy="2858883"/>
+            <a:off x="4713400" y="1548652"/>
+            <a:ext cx="3695309" cy="2717174"/>
           </a:xfrm>
           <a:prstGeom prst="rect">
             <a:avLst/>
@@ -4161,8 +4418,8 @@
         </p:blipFill>
         <p:spPr>
           <a:xfrm>
-            <a:off x="914400" y="4507273"/>
-            <a:ext cx="6372520" cy="2350727"/>
+            <a:off x="292231" y="4552340"/>
+            <a:ext cx="8295588" cy="2225532"/>
           </a:xfrm>
           <a:prstGeom prst="rect">
             <a:avLst/>
@@ -4172,1545 +4429,9 @@
     </p:spTree>
     <p:extLst>
       <p:ext uri="{BB962C8B-B14F-4D97-AF65-F5344CB8AC3E}">
-        <p14:creationId xmlns:p14="http://schemas.microsoft.com/office/powerpoint/2010/main" val="3358788925"/>
+        <p14:creationId xmlns:p14="http://schemas.microsoft.com/office/powerpoint/2010/main" val="3114854737"/>
       </p:ext>
     </p:extLst>
-  </p:cSld>
-  <p:clrMapOvr>
-    <a:masterClrMapping/>
-  </p:clrMapOvr>
-</p:sld>
-</file>
-
-<file path=ppt/slides/slide13.xml><?xml version="1.0" encoding="utf-8"?>
-<p:sld xmlns:a="http://schemas.openxmlformats.org/drawingml/2006/main" xmlns:r="http://schemas.openxmlformats.org/officeDocument/2006/relationships" xmlns:p="http://schemas.openxmlformats.org/presentationml/2006/main">
-  <p:cSld>
-    <p:spTree>
-      <p:nvGrpSpPr>
-        <p:cNvPr id="1" name=""/>
-        <p:cNvGrpSpPr/>
-        <p:nvPr/>
-      </p:nvGrpSpPr>
-      <p:grpSpPr>
-        <a:xfrm>
-          <a:off x="0" y="0"/>
-          <a:ext cx="0" cy="0"/>
-          <a:chOff x="0" y="0"/>
-          <a:chExt cx="0" cy="0"/>
-        </a:xfrm>
-      </p:grpSpPr>
-      <p:pic>
-        <p:nvPicPr>
-          <p:cNvPr id="3" name="Picture 2">
-            <a:extLst>
-              <a:ext uri="{FF2B5EF4-FFF2-40B4-BE49-F238E27FC236}">
-                <a16:creationId xmlns:a16="http://schemas.microsoft.com/office/drawing/2014/main" id="{A775478C-479F-B3F4-0515-34378AE35F0E}"/>
-              </a:ext>
-            </a:extLst>
-          </p:cNvPr>
-          <p:cNvPicPr>
-            <a:picLocks noChangeAspect="1"/>
-          </p:cNvPicPr>
-          <p:nvPr/>
-        </p:nvPicPr>
-        <p:blipFill>
-          <a:blip r:embed="rId2"/>
-          <a:stretch>
-            <a:fillRect/>
-          </a:stretch>
-        </p:blipFill>
-        <p:spPr>
-          <a:xfrm>
-            <a:off x="156588" y="439779"/>
-            <a:ext cx="4321144" cy="2887883"/>
-          </a:xfrm>
-          <a:prstGeom prst="rect">
-            <a:avLst/>
-          </a:prstGeom>
-        </p:spPr>
-      </p:pic>
-      <p:pic>
-        <p:nvPicPr>
-          <p:cNvPr id="5" name="Picture 4">
-            <a:extLst>
-              <a:ext uri="{FF2B5EF4-FFF2-40B4-BE49-F238E27FC236}">
-                <a16:creationId xmlns:a16="http://schemas.microsoft.com/office/drawing/2014/main" id="{F7ABEE50-BD9D-A69F-5229-0AB2D022141D}"/>
-              </a:ext>
-            </a:extLst>
-          </p:cNvPr>
-          <p:cNvPicPr>
-            <a:picLocks noChangeAspect="1"/>
-          </p:cNvPicPr>
-          <p:nvPr/>
-        </p:nvPicPr>
-        <p:blipFill>
-          <a:blip r:embed="rId3"/>
-          <a:stretch>
-            <a:fillRect/>
-          </a:stretch>
-        </p:blipFill>
-        <p:spPr>
-          <a:xfrm>
-            <a:off x="5043340" y="439779"/>
-            <a:ext cx="4100660" cy="2887883"/>
-          </a:xfrm>
-          <a:prstGeom prst="rect">
-            <a:avLst/>
-          </a:prstGeom>
-        </p:spPr>
-      </p:pic>
-      <p:pic>
-        <p:nvPicPr>
-          <p:cNvPr id="7" name="Picture 6">
-            <a:extLst>
-              <a:ext uri="{FF2B5EF4-FFF2-40B4-BE49-F238E27FC236}">
-                <a16:creationId xmlns:a16="http://schemas.microsoft.com/office/drawing/2014/main" id="{A52088D3-74D9-82BF-0834-D5C518AC2DE9}"/>
-              </a:ext>
-            </a:extLst>
-          </p:cNvPr>
-          <p:cNvPicPr>
-            <a:picLocks noChangeAspect="1"/>
-          </p:cNvPicPr>
-          <p:nvPr/>
-        </p:nvPicPr>
-        <p:blipFill>
-          <a:blip r:embed="rId4"/>
-          <a:stretch>
-            <a:fillRect/>
-          </a:stretch>
-        </p:blipFill>
-        <p:spPr>
-          <a:xfrm>
-            <a:off x="226242" y="3455731"/>
-            <a:ext cx="4251489" cy="3199593"/>
-          </a:xfrm>
-          <a:prstGeom prst="rect">
-            <a:avLst/>
-          </a:prstGeom>
-        </p:spPr>
-      </p:pic>
-      <p:pic>
-        <p:nvPicPr>
-          <p:cNvPr id="9" name="Picture 8">
-            <a:extLst>
-              <a:ext uri="{FF2B5EF4-FFF2-40B4-BE49-F238E27FC236}">
-                <a16:creationId xmlns:a16="http://schemas.microsoft.com/office/drawing/2014/main" id="{E0341899-8D48-22C5-BE36-84A78D6071F5}"/>
-              </a:ext>
-            </a:extLst>
-          </p:cNvPr>
-          <p:cNvPicPr>
-            <a:picLocks noChangeAspect="1"/>
-          </p:cNvPicPr>
-          <p:nvPr/>
-        </p:nvPicPr>
-        <p:blipFill>
-          <a:blip r:embed="rId5"/>
-          <a:stretch>
-            <a:fillRect/>
-          </a:stretch>
-        </p:blipFill>
-        <p:spPr>
-          <a:xfrm>
-            <a:off x="5043338" y="3455731"/>
-            <a:ext cx="3874419" cy="3199593"/>
-          </a:xfrm>
-          <a:prstGeom prst="rect">
-            <a:avLst/>
-          </a:prstGeom>
-        </p:spPr>
-      </p:pic>
-    </p:spTree>
-    <p:extLst>
-      <p:ext uri="{BB962C8B-B14F-4D97-AF65-F5344CB8AC3E}">
-        <p14:creationId xmlns:p14="http://schemas.microsoft.com/office/powerpoint/2010/main" val="550393050"/>
-      </p:ext>
-    </p:extLst>
-  </p:cSld>
-  <p:clrMapOvr>
-    <a:masterClrMapping/>
-  </p:clrMapOvr>
-</p:sld>
-</file>
-
-<file path=ppt/slides/slide14.xml><?xml version="1.0" encoding="utf-8"?>
-<p:sld xmlns:a="http://schemas.openxmlformats.org/drawingml/2006/main" xmlns:r="http://schemas.openxmlformats.org/officeDocument/2006/relationships" xmlns:p="http://schemas.openxmlformats.org/presentationml/2006/main">
-  <p:cSld>
-    <p:spTree>
-      <p:nvGrpSpPr>
-        <p:cNvPr id="1" name=""/>
-        <p:cNvGrpSpPr/>
-        <p:nvPr/>
-      </p:nvGrpSpPr>
-      <p:grpSpPr>
-        <a:xfrm>
-          <a:off x="0" y="0"/>
-          <a:ext cx="0" cy="0"/>
-          <a:chOff x="0" y="0"/>
-          <a:chExt cx="0" cy="0"/>
-        </a:xfrm>
-      </p:grpSpPr>
-      <p:sp>
-        <p:nvSpPr>
-          <p:cNvPr id="2" name="Title 1"/>
-          <p:cNvSpPr>
-            <a:spLocks noGrp="1"/>
-          </p:cNvSpPr>
-          <p:nvPr>
-            <p:ph type="title"/>
-          </p:nvPr>
-        </p:nvSpPr>
-        <p:spPr>
-          <a:xfrm>
-            <a:off x="457200" y="1"/>
-            <a:ext cx="8229600" cy="6858000"/>
-          </a:xfrm>
-        </p:spPr>
-        <p:txBody>
-          <a:bodyPr>
-            <a:noAutofit/>
-          </a:bodyPr>
-          <a:lstStyle/>
-          <a:p>
-            <a:r>
-              <a:rPr sz="8800" b="1" u="sng" dirty="0">
-                <a:effectLst>
-                  <a:outerShdw blurRad="38100" dist="38100" dir="2700000" algn="tl">
-                    <a:srgbClr val="000000">
-                      <a:alpha val="43137"/>
-                    </a:srgbClr>
-                  </a:outerShdw>
-                </a:effectLst>
-                <a:latin typeface="Arial Black" panose="020B0A04020102020204" pitchFamily="34" charset="0"/>
-              </a:rPr>
-              <a:t>Thank You!</a:t>
-            </a:r>
-          </a:p>
-        </p:txBody>
-      </p:sp>
-    </p:spTree>
-  </p:cSld>
-  <p:clrMapOvr>
-    <a:masterClrMapping/>
-  </p:clrMapOvr>
-</p:sld>
-</file>
-
-<file path=ppt/slides/slide2.xml><?xml version="1.0" encoding="utf-8"?>
-<p:sld xmlns:a="http://schemas.openxmlformats.org/drawingml/2006/main" xmlns:r="http://schemas.openxmlformats.org/officeDocument/2006/relationships" xmlns:p="http://schemas.openxmlformats.org/presentationml/2006/main">
-  <p:cSld>
-    <p:spTree>
-      <p:nvGrpSpPr>
-        <p:cNvPr id="1" name=""/>
-        <p:cNvGrpSpPr/>
-        <p:nvPr/>
-      </p:nvGrpSpPr>
-      <p:grpSpPr>
-        <a:xfrm>
-          <a:off x="0" y="0"/>
-          <a:ext cx="0" cy="0"/>
-          <a:chOff x="0" y="0"/>
-          <a:chExt cx="0" cy="0"/>
-        </a:xfrm>
-      </p:grpSpPr>
-      <p:sp>
-        <p:nvSpPr>
-          <p:cNvPr id="2" name="Title 1"/>
-          <p:cNvSpPr>
-            <a:spLocks noGrp="1"/>
-          </p:cNvSpPr>
-          <p:nvPr>
-            <p:ph type="title"/>
-          </p:nvPr>
-        </p:nvSpPr>
-        <p:spPr/>
-        <p:txBody>
-          <a:bodyPr>
-            <a:normAutofit/>
-          </a:bodyPr>
-          <a:lstStyle/>
-          <a:p>
-            <a:r>
-              <a:rPr sz="5400" b="1" u="sng" dirty="0">
-                <a:latin typeface="Arial Black" panose="020B0A04020102020204" pitchFamily="34" charset="0"/>
-              </a:rPr>
-              <a:t>Problem Statement</a:t>
-            </a:r>
-          </a:p>
-        </p:txBody>
-      </p:sp>
-      <p:sp>
-        <p:nvSpPr>
-          <p:cNvPr id="3" name="Content Placeholder 2"/>
-          <p:cNvSpPr>
-            <a:spLocks noGrp="1"/>
-          </p:cNvSpPr>
-          <p:nvPr>
-            <p:ph idx="1"/>
-          </p:nvPr>
-        </p:nvSpPr>
-        <p:spPr>
-          <a:xfrm>
-            <a:off x="457200" y="1832253"/>
-            <a:ext cx="8229600" cy="4751109"/>
-          </a:xfrm>
-        </p:spPr>
-        <p:txBody>
-          <a:bodyPr>
-            <a:noAutofit/>
-          </a:bodyPr>
-          <a:lstStyle/>
-          <a:p>
-            <a:pPr marL="0" indent="0">
-              <a:buNone/>
-            </a:pPr>
-            <a:r>
-              <a:rPr sz="3000" dirty="0">
-                <a:latin typeface="Bahnschrift Light SemiCondensed" panose="020B0502040204020203" pitchFamily="34" charset="0"/>
-              </a:rPr>
-              <a:t>• Predict employee attrition (classification)</a:t>
-            </a:r>
-            <a:endParaRPr lang="en-IN" sz="3000" dirty="0">
-              <a:latin typeface="Bahnschrift Light SemiCondensed" panose="020B0502040204020203" pitchFamily="34" charset="0"/>
-            </a:endParaRPr>
-          </a:p>
-          <a:p>
-            <a:pPr marL="0" indent="0">
-              <a:buNone/>
-            </a:pPr>
-            <a:endParaRPr sz="3000" dirty="0">
-              <a:latin typeface="Bahnschrift Light SemiCondensed" panose="020B0502040204020203" pitchFamily="34" charset="0"/>
-            </a:endParaRPr>
-          </a:p>
-          <a:p>
-            <a:pPr marL="0" indent="0">
-              <a:buNone/>
-            </a:pPr>
-            <a:r>
-              <a:rPr sz="3000" dirty="0">
-                <a:latin typeface="Bahnschrift Light SemiCondensed" panose="020B0502040204020203" pitchFamily="34" charset="0"/>
-              </a:rPr>
-              <a:t>• Predict future salaries for likely-to-stay </a:t>
-            </a:r>
-            <a:r>
-              <a:rPr lang="en-IN" sz="3000" dirty="0">
-                <a:latin typeface="Bahnschrift Light SemiCondensed" panose="020B0502040204020203" pitchFamily="34" charset="0"/>
-              </a:rPr>
-              <a:t>     	</a:t>
-            </a:r>
-            <a:r>
-              <a:rPr sz="3000" dirty="0">
-                <a:latin typeface="Bahnschrift Light SemiCondensed" panose="020B0502040204020203" pitchFamily="34" charset="0"/>
-              </a:rPr>
-              <a:t>employees (regression)</a:t>
-            </a:r>
-            <a:endParaRPr lang="en-IN" sz="3000" dirty="0">
-              <a:latin typeface="Bahnschrift Light SemiCondensed" panose="020B0502040204020203" pitchFamily="34" charset="0"/>
-            </a:endParaRPr>
-          </a:p>
-          <a:p>
-            <a:pPr marL="0" indent="0">
-              <a:buNone/>
-            </a:pPr>
-            <a:endParaRPr sz="3000" dirty="0">
-              <a:latin typeface="Bahnschrift Light SemiCondensed" panose="020B0502040204020203" pitchFamily="34" charset="0"/>
-            </a:endParaRPr>
-          </a:p>
-          <a:p>
-            <a:pPr marL="0" indent="0">
-              <a:buNone/>
-            </a:pPr>
-            <a:r>
-              <a:rPr sz="3000" dirty="0">
-                <a:latin typeface="Bahnschrift Light SemiCondensed" panose="020B0502040204020203" pitchFamily="34" charset="0"/>
-              </a:rPr>
-              <a:t>• Estimate financial loss from attrition</a:t>
-            </a:r>
-            <a:endParaRPr lang="en-IN" sz="3000" dirty="0">
-              <a:latin typeface="Bahnschrift Light SemiCondensed" panose="020B0502040204020203" pitchFamily="34" charset="0"/>
-            </a:endParaRPr>
-          </a:p>
-          <a:p>
-            <a:pPr marL="0" indent="0">
-              <a:buNone/>
-            </a:pPr>
-            <a:endParaRPr sz="3000" dirty="0">
-              <a:latin typeface="Bahnschrift Light SemiCondensed" panose="020B0502040204020203" pitchFamily="34" charset="0"/>
-            </a:endParaRPr>
-          </a:p>
-          <a:p>
-            <a:pPr marL="0" indent="0">
-              <a:buNone/>
-            </a:pPr>
-            <a:r>
-              <a:rPr sz="3000" dirty="0">
-                <a:latin typeface="Bahnschrift Light SemiCondensed" panose="020B0502040204020203" pitchFamily="34" charset="0"/>
-              </a:rPr>
-              <a:t>• Real-world value: HR planning, retention, cost </a:t>
-            </a:r>
-            <a:r>
-              <a:rPr lang="en-IN" sz="3000" dirty="0">
-                <a:latin typeface="Bahnschrift Light SemiCondensed" panose="020B0502040204020203" pitchFamily="34" charset="0"/>
-              </a:rPr>
-              <a:t>	</a:t>
-            </a:r>
-            <a:r>
-              <a:rPr sz="3000" dirty="0">
-                <a:latin typeface="Bahnschrift Light SemiCondensed" panose="020B0502040204020203" pitchFamily="34" charset="0"/>
-              </a:rPr>
-              <a:t>forecasting</a:t>
-            </a:r>
-          </a:p>
-        </p:txBody>
-      </p:sp>
-    </p:spTree>
-  </p:cSld>
-  <p:clrMapOvr>
-    <a:masterClrMapping/>
-  </p:clrMapOvr>
-</p:sld>
-</file>
-
-<file path=ppt/slides/slide3.xml><?xml version="1.0" encoding="utf-8"?>
-<p:sld xmlns:a="http://schemas.openxmlformats.org/drawingml/2006/main" xmlns:r="http://schemas.openxmlformats.org/officeDocument/2006/relationships" xmlns:p="http://schemas.openxmlformats.org/presentationml/2006/main">
-  <p:cSld>
-    <p:spTree>
-      <p:nvGrpSpPr>
-        <p:cNvPr id="1" name=""/>
-        <p:cNvGrpSpPr/>
-        <p:nvPr/>
-      </p:nvGrpSpPr>
-      <p:grpSpPr>
-        <a:xfrm>
-          <a:off x="0" y="0"/>
-          <a:ext cx="0" cy="0"/>
-          <a:chOff x="0" y="0"/>
-          <a:chExt cx="0" cy="0"/>
-        </a:xfrm>
-      </p:grpSpPr>
-      <p:sp>
-        <p:nvSpPr>
-          <p:cNvPr id="2" name="Title 1"/>
-          <p:cNvSpPr>
-            <a:spLocks noGrp="1"/>
-          </p:cNvSpPr>
-          <p:nvPr>
-            <p:ph type="title"/>
-          </p:nvPr>
-        </p:nvSpPr>
-        <p:spPr/>
-        <p:txBody>
-          <a:bodyPr>
-            <a:normAutofit/>
-          </a:bodyPr>
-          <a:lstStyle/>
-          <a:p>
-            <a:r>
-              <a:rPr sz="5400" b="1" u="sng" dirty="0">
-                <a:effectLst>
-                  <a:outerShdw blurRad="38100" dist="38100" dir="2700000" algn="tl">
-                    <a:srgbClr val="000000">
-                      <a:alpha val="43137"/>
-                    </a:srgbClr>
-                  </a:outerShdw>
-                </a:effectLst>
-                <a:latin typeface="Arial Black" panose="020B0A04020102020204" pitchFamily="34" charset="0"/>
-              </a:rPr>
-              <a:t>Dataset Overview</a:t>
-            </a:r>
-          </a:p>
-        </p:txBody>
-      </p:sp>
-      <p:sp>
-        <p:nvSpPr>
-          <p:cNvPr id="3" name="Content Placeholder 2"/>
-          <p:cNvSpPr>
-            <a:spLocks noGrp="1"/>
-          </p:cNvSpPr>
-          <p:nvPr>
-            <p:ph idx="1"/>
-          </p:nvPr>
-        </p:nvSpPr>
-        <p:spPr>
-          <a:xfrm>
-            <a:off x="457201" y="2316639"/>
-            <a:ext cx="8229600" cy="3965066"/>
-          </a:xfrm>
-        </p:spPr>
-        <p:txBody>
-          <a:bodyPr>
-            <a:normAutofit fontScale="92500" lnSpcReduction="10000"/>
-          </a:bodyPr>
-          <a:lstStyle/>
-          <a:p>
-            <a:pPr marL="0" indent="0">
-              <a:buNone/>
-            </a:pPr>
-            <a:r>
-              <a:rPr dirty="0">
-                <a:latin typeface="Bahnschrift Light SemiCondensed" panose="020B0502040204020203" pitchFamily="34" charset="0"/>
-              </a:rPr>
-              <a:t>• Dataset: IBM HR Analytics Employee Attrition</a:t>
-            </a:r>
-            <a:endParaRPr lang="en-IN" dirty="0">
-              <a:latin typeface="Bahnschrift Light SemiCondensed" panose="020B0502040204020203" pitchFamily="34" charset="0"/>
-            </a:endParaRPr>
-          </a:p>
-          <a:p>
-            <a:pPr marL="0" indent="0">
-              <a:buNone/>
-            </a:pPr>
-            <a:endParaRPr dirty="0">
-              <a:latin typeface="Bahnschrift Light SemiCondensed" panose="020B0502040204020203" pitchFamily="34" charset="0"/>
-            </a:endParaRPr>
-          </a:p>
-          <a:p>
-            <a:pPr marL="0" indent="0">
-              <a:buNone/>
-            </a:pPr>
-            <a:r>
-              <a:rPr dirty="0">
-                <a:latin typeface="Bahnschrift Light SemiCondensed" panose="020B0502040204020203" pitchFamily="34" charset="0"/>
-              </a:rPr>
-              <a:t>• Features: Age, Gender, Job</a:t>
-            </a:r>
-            <a:r>
-              <a:rPr lang="en-US" dirty="0">
-                <a:latin typeface="Bahnschrift Light SemiCondensed" panose="020B0502040204020203" pitchFamily="34" charset="0"/>
-              </a:rPr>
-              <a:t>R</a:t>
-            </a:r>
-            <a:r>
-              <a:rPr dirty="0">
-                <a:latin typeface="Bahnschrift Light SemiCondensed" panose="020B0502040204020203" pitchFamily="34" charset="0"/>
-              </a:rPr>
-              <a:t>ole, Monthly</a:t>
-            </a:r>
-            <a:r>
-              <a:rPr lang="en-US" dirty="0">
-                <a:latin typeface="Bahnschrift Light SemiCondensed" panose="020B0502040204020203" pitchFamily="34" charset="0"/>
-              </a:rPr>
-              <a:t>I</a:t>
-            </a:r>
-            <a:r>
-              <a:rPr dirty="0">
-                <a:latin typeface="Bahnschrift Light SemiCondensed" panose="020B0502040204020203" pitchFamily="34" charset="0"/>
-              </a:rPr>
-              <a:t>ncome, </a:t>
-            </a:r>
-            <a:r>
-              <a:rPr lang="en-IN" dirty="0">
-                <a:latin typeface="Bahnschrift Light SemiCondensed" panose="020B0502040204020203" pitchFamily="34" charset="0"/>
-              </a:rPr>
-              <a:t>	</a:t>
-            </a:r>
-            <a:r>
-              <a:rPr dirty="0">
-                <a:latin typeface="Bahnschrift Light SemiCondensed" panose="020B0502040204020203" pitchFamily="34" charset="0"/>
-              </a:rPr>
-              <a:t>Years</a:t>
-            </a:r>
-            <a:r>
-              <a:rPr lang="en-US" dirty="0">
-                <a:latin typeface="Bahnschrift Light SemiCondensed" panose="020B0502040204020203" pitchFamily="34" charset="0"/>
-              </a:rPr>
-              <a:t>A</a:t>
-            </a:r>
-            <a:r>
-              <a:rPr dirty="0">
-                <a:latin typeface="Bahnschrift Light SemiCondensed" panose="020B0502040204020203" pitchFamily="34" charset="0"/>
-              </a:rPr>
-              <a:t>t</a:t>
-            </a:r>
-            <a:r>
-              <a:rPr lang="en-US" dirty="0">
-                <a:latin typeface="Bahnschrift Light SemiCondensed" panose="020B0502040204020203" pitchFamily="34" charset="0"/>
-              </a:rPr>
-              <a:t>C</a:t>
-            </a:r>
-            <a:r>
-              <a:rPr dirty="0">
-                <a:latin typeface="Bahnschrift Light SemiCondensed" panose="020B0502040204020203" pitchFamily="34" charset="0"/>
-              </a:rPr>
-              <a:t>ompany, Performance</a:t>
-            </a:r>
-            <a:r>
-              <a:rPr lang="en-US" dirty="0">
-                <a:latin typeface="Bahnschrift Light SemiCondensed" panose="020B0502040204020203" pitchFamily="34" charset="0"/>
-              </a:rPr>
-              <a:t>R</a:t>
-            </a:r>
-            <a:r>
-              <a:rPr dirty="0">
-                <a:latin typeface="Bahnschrift Light SemiCondensed" panose="020B0502040204020203" pitchFamily="34" charset="0"/>
-              </a:rPr>
-              <a:t>ating, etc.</a:t>
-            </a:r>
-            <a:endParaRPr lang="en-IN" dirty="0">
-              <a:latin typeface="Bahnschrift Light SemiCondensed" panose="020B0502040204020203" pitchFamily="34" charset="0"/>
-            </a:endParaRPr>
-          </a:p>
-          <a:p>
-            <a:pPr marL="0" indent="0">
-              <a:buNone/>
-            </a:pPr>
-            <a:endParaRPr dirty="0">
-              <a:latin typeface="Bahnschrift Light SemiCondensed" panose="020B0502040204020203" pitchFamily="34" charset="0"/>
-            </a:endParaRPr>
-          </a:p>
-          <a:p>
-            <a:pPr marL="0" indent="0">
-              <a:buNone/>
-            </a:pPr>
-            <a:r>
-              <a:rPr dirty="0">
-                <a:latin typeface="Bahnschrift Light SemiCondensed" panose="020B0502040204020203" pitchFamily="34" charset="0"/>
-              </a:rPr>
-              <a:t>• Source: Kaggle</a:t>
-            </a:r>
-            <a:endParaRPr lang="en-IN" dirty="0">
-              <a:latin typeface="Bahnschrift Light SemiCondensed" panose="020B0502040204020203" pitchFamily="34" charset="0"/>
-            </a:endParaRPr>
-          </a:p>
-          <a:p>
-            <a:pPr marL="0" indent="0">
-              <a:buNone/>
-            </a:pPr>
-            <a:endParaRPr dirty="0">
-              <a:latin typeface="Bahnschrift Light SemiCondensed" panose="020B0502040204020203" pitchFamily="34" charset="0"/>
-            </a:endParaRPr>
-          </a:p>
-          <a:p>
-            <a:pPr marL="0" indent="0">
-              <a:buNone/>
-            </a:pPr>
-            <a:r>
-              <a:rPr dirty="0">
-                <a:latin typeface="Bahnschrift Light SemiCondensed" panose="020B0502040204020203" pitchFamily="34" charset="0"/>
-              </a:rPr>
-              <a:t>• Type: Tabular data</a:t>
-            </a:r>
-          </a:p>
-        </p:txBody>
-      </p:sp>
-    </p:spTree>
-  </p:cSld>
-  <p:clrMapOvr>
-    <a:masterClrMapping/>
-  </p:clrMapOvr>
-</p:sld>
-</file>
-
-<file path=ppt/slides/slide4.xml><?xml version="1.0" encoding="utf-8"?>
-<p:sld xmlns:a="http://schemas.openxmlformats.org/drawingml/2006/main" xmlns:r="http://schemas.openxmlformats.org/officeDocument/2006/relationships" xmlns:p="http://schemas.openxmlformats.org/presentationml/2006/main">
-  <p:cSld>
-    <p:spTree>
-      <p:nvGrpSpPr>
-        <p:cNvPr id="1" name=""/>
-        <p:cNvGrpSpPr/>
-        <p:nvPr/>
-      </p:nvGrpSpPr>
-      <p:grpSpPr>
-        <a:xfrm>
-          <a:off x="0" y="0"/>
-          <a:ext cx="0" cy="0"/>
-          <a:chOff x="0" y="0"/>
-          <a:chExt cx="0" cy="0"/>
-        </a:xfrm>
-      </p:grpSpPr>
-      <p:sp>
-        <p:nvSpPr>
-          <p:cNvPr id="2" name="Title 1"/>
-          <p:cNvSpPr>
-            <a:spLocks noGrp="1"/>
-          </p:cNvSpPr>
-          <p:nvPr>
-            <p:ph type="title"/>
-          </p:nvPr>
-        </p:nvSpPr>
-        <p:spPr>
-          <a:xfrm>
-            <a:off x="457200" y="169682"/>
-            <a:ext cx="8229600" cy="1430518"/>
-          </a:xfrm>
-        </p:spPr>
-        <p:txBody>
-          <a:bodyPr>
-            <a:noAutofit/>
-          </a:bodyPr>
-          <a:lstStyle/>
-          <a:p>
-            <a:r>
-              <a:rPr sz="4800" b="1" u="sng" dirty="0">
-                <a:effectLst>
-                  <a:outerShdw blurRad="38100" dist="38100" dir="2700000" algn="tl">
-                    <a:srgbClr val="000000">
-                      <a:alpha val="43137"/>
-                    </a:srgbClr>
-                  </a:outerShdw>
-                </a:effectLst>
-                <a:latin typeface="Arial Black" panose="020B0A04020102020204" pitchFamily="34" charset="0"/>
-              </a:rPr>
-              <a:t>Data Cleaning </a:t>
-            </a:r>
-            <a:r>
-              <a:rPr lang="en-US" sz="4800" b="1" u="sng" dirty="0">
-                <a:effectLst>
-                  <a:outerShdw blurRad="38100" dist="38100" dir="2700000" algn="tl">
-                    <a:srgbClr val="000000">
-                      <a:alpha val="43137"/>
-                    </a:srgbClr>
-                  </a:outerShdw>
-                </a:effectLst>
-                <a:latin typeface="Arial Black" panose="020B0A04020102020204" pitchFamily="34" charset="0"/>
-              </a:rPr>
-              <a:t>&amp; </a:t>
-            </a:r>
-            <a:r>
-              <a:rPr sz="4800" b="1" u="sng" dirty="0">
-                <a:effectLst>
-                  <a:outerShdw blurRad="38100" dist="38100" dir="2700000" algn="tl">
-                    <a:srgbClr val="000000">
-                      <a:alpha val="43137"/>
-                    </a:srgbClr>
-                  </a:outerShdw>
-                </a:effectLst>
-                <a:latin typeface="Arial Black" panose="020B0A04020102020204" pitchFamily="34" charset="0"/>
-              </a:rPr>
-              <a:t>Preprocessing</a:t>
-            </a:r>
-          </a:p>
-        </p:txBody>
-      </p:sp>
-      <p:sp>
-        <p:nvSpPr>
-          <p:cNvPr id="3" name="Content Placeholder 2"/>
-          <p:cNvSpPr>
-            <a:spLocks noGrp="1"/>
-          </p:cNvSpPr>
-          <p:nvPr>
-            <p:ph idx="1"/>
-          </p:nvPr>
-        </p:nvSpPr>
-        <p:spPr>
-          <a:xfrm>
-            <a:off x="457200" y="2141145"/>
-            <a:ext cx="8229600" cy="4525963"/>
-          </a:xfrm>
-        </p:spPr>
-        <p:txBody>
-          <a:bodyPr>
-            <a:normAutofit fontScale="92500" lnSpcReduction="20000"/>
-          </a:bodyPr>
-          <a:lstStyle/>
-          <a:p>
-            <a:pPr marL="0" indent="0">
-              <a:buNone/>
-            </a:pPr>
-            <a:r>
-              <a:rPr dirty="0">
-                <a:latin typeface="Bahnschrift Light Condensed" panose="020B0502040204020203" pitchFamily="34" charset="0"/>
-              </a:rPr>
-              <a:t>• Handle missing values</a:t>
-            </a:r>
-            <a:endParaRPr lang="en-IN" dirty="0">
-              <a:latin typeface="Bahnschrift Light Condensed" panose="020B0502040204020203" pitchFamily="34" charset="0"/>
-            </a:endParaRPr>
-          </a:p>
-          <a:p>
-            <a:pPr marL="0" indent="0">
-              <a:buNone/>
-            </a:pPr>
-            <a:endParaRPr dirty="0">
-              <a:latin typeface="Bahnschrift Light Condensed" panose="020B0502040204020203" pitchFamily="34" charset="0"/>
-            </a:endParaRPr>
-          </a:p>
-          <a:p>
-            <a:pPr marL="0" indent="0">
-              <a:buNone/>
-            </a:pPr>
-            <a:r>
-              <a:rPr dirty="0">
-                <a:latin typeface="Bahnschrift Light Condensed" panose="020B0502040204020203" pitchFamily="34" charset="0"/>
-              </a:rPr>
-              <a:t>• Encode categorical variables</a:t>
-            </a:r>
-            <a:endParaRPr lang="en-IN" dirty="0">
-              <a:latin typeface="Bahnschrift Light Condensed" panose="020B0502040204020203" pitchFamily="34" charset="0"/>
-            </a:endParaRPr>
-          </a:p>
-          <a:p>
-            <a:pPr marL="0" indent="0">
-              <a:buNone/>
-            </a:pPr>
-            <a:endParaRPr dirty="0">
-              <a:latin typeface="Bahnschrift Light Condensed" panose="020B0502040204020203" pitchFamily="34" charset="0"/>
-            </a:endParaRPr>
-          </a:p>
-          <a:p>
-            <a:pPr marL="0" indent="0">
-              <a:buNone/>
-            </a:pPr>
-            <a:r>
-              <a:rPr dirty="0">
-                <a:latin typeface="Bahnschrift Light Condensed" panose="020B0502040204020203" pitchFamily="34" charset="0"/>
-              </a:rPr>
-              <a:t>• Normalize numerical values (for SVM/SVR)</a:t>
-            </a:r>
-            <a:endParaRPr lang="en-IN" dirty="0">
-              <a:latin typeface="Bahnschrift Light Condensed" panose="020B0502040204020203" pitchFamily="34" charset="0"/>
-            </a:endParaRPr>
-          </a:p>
-          <a:p>
-            <a:pPr marL="0" indent="0">
-              <a:buNone/>
-            </a:pPr>
-            <a:endParaRPr dirty="0">
-              <a:latin typeface="Bahnschrift Light Condensed" panose="020B0502040204020203" pitchFamily="34" charset="0"/>
-            </a:endParaRPr>
-          </a:p>
-          <a:p>
-            <a:pPr marL="0" indent="0">
-              <a:buNone/>
-            </a:pPr>
-            <a:r>
-              <a:rPr dirty="0">
-                <a:latin typeface="Bahnschrift Light Condensed" panose="020B0502040204020203" pitchFamily="34" charset="0"/>
-              </a:rPr>
-              <a:t>• Drop redundant columns</a:t>
-            </a:r>
-            <a:endParaRPr lang="en-IN" dirty="0">
-              <a:latin typeface="Bahnschrift Light Condensed" panose="020B0502040204020203" pitchFamily="34" charset="0"/>
-            </a:endParaRPr>
-          </a:p>
-          <a:p>
-            <a:pPr marL="0" indent="0">
-              <a:buNone/>
-            </a:pPr>
-            <a:endParaRPr dirty="0">
-              <a:latin typeface="Bahnschrift Light Condensed" panose="020B0502040204020203" pitchFamily="34" charset="0"/>
-            </a:endParaRPr>
-          </a:p>
-          <a:p>
-            <a:pPr marL="0" indent="0">
-              <a:buNone/>
-            </a:pPr>
-            <a:r>
-              <a:rPr dirty="0">
-                <a:latin typeface="Bahnschrift Light Condensed" panose="020B0502040204020203" pitchFamily="34" charset="0"/>
-              </a:rPr>
-              <a:t>• Split data into train-test sets</a:t>
-            </a:r>
-          </a:p>
-        </p:txBody>
-      </p:sp>
-    </p:spTree>
-  </p:cSld>
-  <p:clrMapOvr>
-    <a:masterClrMapping/>
-  </p:clrMapOvr>
-</p:sld>
-</file>
-
-<file path=ppt/slides/slide5.xml><?xml version="1.0" encoding="utf-8"?>
-<p:sld xmlns:a="http://schemas.openxmlformats.org/drawingml/2006/main" xmlns:r="http://schemas.openxmlformats.org/officeDocument/2006/relationships" xmlns:p="http://schemas.openxmlformats.org/presentationml/2006/main">
-  <p:cSld>
-    <p:spTree>
-      <p:nvGrpSpPr>
-        <p:cNvPr id="1" name=""/>
-        <p:cNvGrpSpPr/>
-        <p:nvPr/>
-      </p:nvGrpSpPr>
-      <p:grpSpPr>
-        <a:xfrm>
-          <a:off x="0" y="0"/>
-          <a:ext cx="0" cy="0"/>
-          <a:chOff x="0" y="0"/>
-          <a:chExt cx="0" cy="0"/>
-        </a:xfrm>
-      </p:grpSpPr>
-      <p:sp>
-        <p:nvSpPr>
-          <p:cNvPr id="2" name="Title 1"/>
-          <p:cNvSpPr>
-            <a:spLocks noGrp="1"/>
-          </p:cNvSpPr>
-          <p:nvPr>
-            <p:ph type="title"/>
-          </p:nvPr>
-        </p:nvSpPr>
-        <p:spPr/>
-        <p:txBody>
-          <a:bodyPr>
-            <a:noAutofit/>
-          </a:bodyPr>
-          <a:lstStyle/>
-          <a:p>
-            <a:r>
-              <a:rPr b="1" u="sng" dirty="0">
-                <a:latin typeface="Arial Black" panose="020B0A04020102020204" pitchFamily="34" charset="0"/>
-              </a:rPr>
-              <a:t>Part 1 – Attrition Prediction (Classification)</a:t>
-            </a:r>
-          </a:p>
-        </p:txBody>
-      </p:sp>
-      <p:sp>
-        <p:nvSpPr>
-          <p:cNvPr id="3" name="Content Placeholder 2"/>
-          <p:cNvSpPr>
-            <a:spLocks noGrp="1"/>
-          </p:cNvSpPr>
-          <p:nvPr>
-            <p:ph idx="1"/>
-          </p:nvPr>
-        </p:nvSpPr>
-        <p:spPr>
-          <a:xfrm>
-            <a:off x="457200" y="2733773"/>
-            <a:ext cx="8229600" cy="3392390"/>
-          </a:xfrm>
-        </p:spPr>
-        <p:txBody>
-          <a:bodyPr/>
-          <a:lstStyle/>
-          <a:p>
-            <a:pPr marL="0" indent="0">
-              <a:buNone/>
-            </a:pPr>
-            <a:r>
-              <a:rPr dirty="0">
-                <a:latin typeface="Bahnschrift Light Condensed" panose="020B0502040204020203" pitchFamily="34" charset="0"/>
-              </a:rPr>
-              <a:t>• Models: Logistic Regression, Decision Tree, SVM</a:t>
-            </a:r>
-            <a:endParaRPr lang="en-IN" dirty="0">
-              <a:latin typeface="Bahnschrift Light Condensed" panose="020B0502040204020203" pitchFamily="34" charset="0"/>
-            </a:endParaRPr>
-          </a:p>
-          <a:p>
-            <a:pPr marL="0" indent="0">
-              <a:buNone/>
-            </a:pPr>
-            <a:endParaRPr dirty="0">
-              <a:latin typeface="Bahnschrift Light Condensed" panose="020B0502040204020203" pitchFamily="34" charset="0"/>
-            </a:endParaRPr>
-          </a:p>
-          <a:p>
-            <a:pPr marL="0" indent="0">
-              <a:buNone/>
-            </a:pPr>
-            <a:r>
-              <a:rPr dirty="0">
-                <a:latin typeface="Bahnschrift Light Condensed" panose="020B0502040204020203" pitchFamily="34" charset="0"/>
-              </a:rPr>
-              <a:t>• Metrics: F1-score, AUC-ROC</a:t>
-            </a:r>
-            <a:endParaRPr lang="en-IN" dirty="0">
-              <a:latin typeface="Bahnschrift Light Condensed" panose="020B0502040204020203" pitchFamily="34" charset="0"/>
-            </a:endParaRPr>
-          </a:p>
-          <a:p>
-            <a:pPr marL="0" indent="0">
-              <a:buNone/>
-            </a:pPr>
-            <a:endParaRPr dirty="0">
-              <a:latin typeface="Bahnschrift Light Condensed" panose="020B0502040204020203" pitchFamily="34" charset="0"/>
-            </a:endParaRPr>
-          </a:p>
-          <a:p>
-            <a:pPr marL="0" indent="0">
-              <a:buNone/>
-            </a:pPr>
-            <a:r>
-              <a:rPr dirty="0">
-                <a:latin typeface="Bahnschrift Light Condensed" panose="020B0502040204020203" pitchFamily="34" charset="0"/>
-              </a:rPr>
-              <a:t>• Output:</a:t>
-            </a:r>
-            <a:r>
-              <a:rPr lang="en-GB" dirty="0">
-                <a:latin typeface="Bahnschrift Light Condensed" panose="020B0502040204020203" pitchFamily="34" charset="0"/>
-              </a:rPr>
-              <a:t> Binary prediction of employee attrition</a:t>
-            </a:r>
-            <a:endParaRPr dirty="0">
-              <a:latin typeface="Bahnschrift Light Condensed" panose="020B0502040204020203" pitchFamily="34" charset="0"/>
-            </a:endParaRPr>
-          </a:p>
-        </p:txBody>
-      </p:sp>
-    </p:spTree>
-  </p:cSld>
-  <p:clrMapOvr>
-    <a:masterClrMapping/>
-  </p:clrMapOvr>
-</p:sld>
-</file>
-
-<file path=ppt/slides/slide6.xml><?xml version="1.0" encoding="utf-8"?>
-<p:sld xmlns:a="http://schemas.openxmlformats.org/drawingml/2006/main" xmlns:r="http://schemas.openxmlformats.org/officeDocument/2006/relationships" xmlns:p="http://schemas.openxmlformats.org/presentationml/2006/main">
-  <p:cSld>
-    <p:spTree>
-      <p:nvGrpSpPr>
-        <p:cNvPr id="1" name=""/>
-        <p:cNvGrpSpPr/>
-        <p:nvPr/>
-      </p:nvGrpSpPr>
-      <p:grpSpPr>
-        <a:xfrm>
-          <a:off x="0" y="0"/>
-          <a:ext cx="0" cy="0"/>
-          <a:chOff x="0" y="0"/>
-          <a:chExt cx="0" cy="0"/>
-        </a:xfrm>
-      </p:grpSpPr>
-      <p:sp>
-        <p:nvSpPr>
-          <p:cNvPr id="2" name="Title 1"/>
-          <p:cNvSpPr>
-            <a:spLocks noGrp="1"/>
-          </p:cNvSpPr>
-          <p:nvPr>
-            <p:ph type="title"/>
-          </p:nvPr>
-        </p:nvSpPr>
-        <p:spPr/>
-        <p:txBody>
-          <a:bodyPr>
-            <a:noAutofit/>
-          </a:bodyPr>
-          <a:lstStyle/>
-          <a:p>
-            <a:r>
-              <a:rPr b="1" u="sng" dirty="0">
-                <a:effectLst>
-                  <a:outerShdw blurRad="38100" dist="38100" dir="2700000" algn="tl">
-                    <a:srgbClr val="000000">
-                      <a:alpha val="43137"/>
-                    </a:srgbClr>
-                  </a:outerShdw>
-                </a:effectLst>
-                <a:latin typeface="Arial Black" panose="020B0A04020102020204" pitchFamily="34" charset="0"/>
-              </a:rPr>
-              <a:t>Part 2 – Salary Simulation (Data Augmentation)</a:t>
-            </a:r>
-          </a:p>
-        </p:txBody>
-      </p:sp>
-      <p:sp>
-        <p:nvSpPr>
-          <p:cNvPr id="3" name="Content Placeholder 2"/>
-          <p:cNvSpPr>
-            <a:spLocks noGrp="1"/>
-          </p:cNvSpPr>
-          <p:nvPr>
-            <p:ph idx="1"/>
-          </p:nvPr>
-        </p:nvSpPr>
-        <p:spPr>
-          <a:xfrm>
-            <a:off x="457200" y="2253006"/>
-            <a:ext cx="8229600" cy="3873157"/>
-          </a:xfrm>
-        </p:spPr>
-        <p:txBody>
-          <a:bodyPr/>
-          <a:lstStyle/>
-          <a:p>
-            <a:pPr marL="0" indent="0">
-              <a:buNone/>
-            </a:pPr>
-            <a:r>
-              <a:rPr dirty="0"/>
-              <a:t>• Approach:</a:t>
-            </a:r>
-          </a:p>
-          <a:p>
-            <a:pPr marL="0" indent="0">
-              <a:buNone/>
-            </a:pPr>
-            <a:r>
-              <a:rPr dirty="0"/>
-              <a:t>  </a:t>
-            </a:r>
-            <a:r>
-              <a:rPr b="1" dirty="0"/>
-              <a:t>- </a:t>
-            </a:r>
-            <a:r>
-              <a:rPr dirty="0"/>
-              <a:t>Fixed Growth: FutureSalary = MonthlyIncome </a:t>
-            </a:r>
-            <a:r>
-              <a:rPr lang="en-IN" dirty="0"/>
-              <a:t>	</a:t>
-            </a:r>
-            <a:r>
-              <a:rPr dirty="0"/>
-              <a:t>× 1.08</a:t>
-            </a:r>
-          </a:p>
-          <a:p>
-            <a:pPr marL="0" indent="0">
-              <a:buNone/>
-            </a:pPr>
-            <a:r>
-              <a:rPr dirty="0"/>
-              <a:t>  </a:t>
-            </a:r>
-            <a:r>
-              <a:rPr b="1" dirty="0"/>
-              <a:t>-</a:t>
-            </a:r>
-            <a:r>
-              <a:rPr dirty="0"/>
-              <a:t> Performance-based increment using rating</a:t>
-            </a:r>
-            <a:endParaRPr lang="en-IN" dirty="0"/>
-          </a:p>
-          <a:p>
-            <a:endParaRPr dirty="0"/>
-          </a:p>
-          <a:p>
-            <a:pPr marL="0" indent="0">
-              <a:buNone/>
-            </a:pPr>
-            <a:r>
-              <a:rPr dirty="0"/>
-              <a:t>• Creates ground truth for regression</a:t>
-            </a:r>
-          </a:p>
-        </p:txBody>
-      </p:sp>
-    </p:spTree>
-  </p:cSld>
-  <p:clrMapOvr>
-    <a:masterClrMapping/>
-  </p:clrMapOvr>
-</p:sld>
-</file>
-
-<file path=ppt/slides/slide7.xml><?xml version="1.0" encoding="utf-8"?>
-<p:sld xmlns:a="http://schemas.openxmlformats.org/drawingml/2006/main" xmlns:r="http://schemas.openxmlformats.org/officeDocument/2006/relationships" xmlns:p="http://schemas.openxmlformats.org/presentationml/2006/main">
-  <p:cSld>
-    <p:spTree>
-      <p:nvGrpSpPr>
-        <p:cNvPr id="1" name=""/>
-        <p:cNvGrpSpPr/>
-        <p:nvPr/>
-      </p:nvGrpSpPr>
-      <p:grpSpPr>
-        <a:xfrm>
-          <a:off x="0" y="0"/>
-          <a:ext cx="0" cy="0"/>
-          <a:chOff x="0" y="0"/>
-          <a:chExt cx="0" cy="0"/>
-        </a:xfrm>
-      </p:grpSpPr>
-      <p:sp>
-        <p:nvSpPr>
-          <p:cNvPr id="2" name="Title 1"/>
-          <p:cNvSpPr>
-            <a:spLocks noGrp="1"/>
-          </p:cNvSpPr>
-          <p:nvPr>
-            <p:ph type="title"/>
-          </p:nvPr>
-        </p:nvSpPr>
-        <p:spPr/>
-        <p:txBody>
-          <a:bodyPr>
-            <a:noAutofit/>
-          </a:bodyPr>
-          <a:lstStyle/>
-          <a:p>
-            <a:r>
-              <a:rPr lang="en-GB" b="1" u="sng" dirty="0">
-                <a:effectLst>
-                  <a:outerShdw blurRad="38100" dist="38100" dir="2700000" algn="tl">
-                    <a:srgbClr val="000000">
-                      <a:alpha val="43137"/>
-                    </a:srgbClr>
-                  </a:outerShdw>
-                </a:effectLst>
-                <a:latin typeface="Arial Black" panose="020B0A04020102020204" pitchFamily="34" charset="0"/>
-              </a:rPr>
-              <a:t>Part 3 – Salary Prediction (Regression)</a:t>
-            </a:r>
-            <a:endParaRPr b="1" u="sng" dirty="0">
-              <a:effectLst>
-                <a:outerShdw blurRad="38100" dist="38100" dir="2700000" algn="tl">
-                  <a:srgbClr val="000000">
-                    <a:alpha val="43137"/>
-                  </a:srgbClr>
-                </a:outerShdw>
-              </a:effectLst>
-              <a:latin typeface="Arial Black" panose="020B0A04020102020204" pitchFamily="34" charset="0"/>
-            </a:endParaRPr>
-          </a:p>
-        </p:txBody>
-      </p:sp>
-      <p:sp>
-        <p:nvSpPr>
-          <p:cNvPr id="3" name="Content Placeholder 2"/>
-          <p:cNvSpPr>
-            <a:spLocks noGrp="1"/>
-          </p:cNvSpPr>
-          <p:nvPr>
-            <p:ph idx="1"/>
-          </p:nvPr>
-        </p:nvSpPr>
-        <p:spPr>
-          <a:xfrm>
-            <a:off x="457200" y="2488676"/>
-            <a:ext cx="8229600" cy="3637487"/>
-          </a:xfrm>
-        </p:spPr>
-        <p:txBody>
-          <a:bodyPr>
-            <a:normAutofit/>
-          </a:bodyPr>
-          <a:lstStyle/>
-          <a:p>
-            <a:pPr marL="0" indent="0">
-              <a:buNone/>
-            </a:pPr>
-            <a:r>
-              <a:rPr dirty="0"/>
-              <a:t>• </a:t>
-            </a:r>
-            <a:r>
-              <a:rPr dirty="0">
-                <a:latin typeface="Bahnschrift Light Condensed" panose="020B0502040204020203" pitchFamily="34" charset="0"/>
-              </a:rPr>
-              <a:t>Models: Random Forest, Ridge</a:t>
-            </a:r>
-            <a:endParaRPr lang="en-IN" dirty="0">
-              <a:latin typeface="Bahnschrift Light Condensed" panose="020B0502040204020203" pitchFamily="34" charset="0"/>
-            </a:endParaRPr>
-          </a:p>
-          <a:p>
-            <a:pPr marL="0" indent="0">
-              <a:buNone/>
-            </a:pPr>
-            <a:endParaRPr dirty="0">
-              <a:latin typeface="Bahnschrift Light Condensed" panose="020B0502040204020203" pitchFamily="34" charset="0"/>
-            </a:endParaRPr>
-          </a:p>
-          <a:p>
-            <a:pPr marL="0" indent="0">
-              <a:buNone/>
-            </a:pPr>
-            <a:r>
-              <a:rPr dirty="0">
-                <a:latin typeface="Bahnschrift Light Condensed" panose="020B0502040204020203" pitchFamily="34" charset="0"/>
-              </a:rPr>
-              <a:t>• Metrics: R² Score, RMSE</a:t>
-            </a:r>
-            <a:endParaRPr lang="en-IN" dirty="0">
-              <a:latin typeface="Bahnschrift Light Condensed" panose="020B0502040204020203" pitchFamily="34" charset="0"/>
-            </a:endParaRPr>
-          </a:p>
-          <a:p>
-            <a:pPr marL="0" indent="0">
-              <a:buNone/>
-            </a:pPr>
-            <a:endParaRPr dirty="0">
-              <a:latin typeface="Bahnschrift Light Condensed" panose="020B0502040204020203" pitchFamily="34" charset="0"/>
-            </a:endParaRPr>
-          </a:p>
-          <a:p>
-            <a:pPr marL="0" indent="0">
-              <a:buNone/>
-            </a:pPr>
-            <a:r>
-              <a:rPr dirty="0">
-                <a:latin typeface="Bahnschrift Light Condensed" panose="020B0502040204020203" pitchFamily="34" charset="0"/>
-              </a:rPr>
-              <a:t>• Goal: Predict future salary based on employee features</a:t>
-            </a:r>
-          </a:p>
-        </p:txBody>
-      </p:sp>
-    </p:spTree>
-  </p:cSld>
-  <p:clrMapOvr>
-    <a:masterClrMapping/>
-  </p:clrMapOvr>
-</p:sld>
-</file>
-
-<file path=ppt/slides/slide8.xml><?xml version="1.0" encoding="utf-8"?>
-<p:sld xmlns:a="http://schemas.openxmlformats.org/drawingml/2006/main" xmlns:r="http://schemas.openxmlformats.org/officeDocument/2006/relationships" xmlns:p="http://schemas.openxmlformats.org/presentationml/2006/main">
-  <p:cSld>
-    <p:spTree>
-      <p:nvGrpSpPr>
-        <p:cNvPr id="1" name=""/>
-        <p:cNvGrpSpPr/>
-        <p:nvPr/>
-      </p:nvGrpSpPr>
-      <p:grpSpPr>
-        <a:xfrm>
-          <a:off x="0" y="0"/>
-          <a:ext cx="0" cy="0"/>
-          <a:chOff x="0" y="0"/>
-          <a:chExt cx="0" cy="0"/>
-        </a:xfrm>
-      </p:grpSpPr>
-      <p:sp>
-        <p:nvSpPr>
-          <p:cNvPr id="2" name="Title 1"/>
-          <p:cNvSpPr>
-            <a:spLocks noGrp="1"/>
-          </p:cNvSpPr>
-          <p:nvPr>
-            <p:ph type="title"/>
-          </p:nvPr>
-        </p:nvSpPr>
-        <p:spPr/>
-        <p:txBody>
-          <a:bodyPr>
-            <a:noAutofit/>
-          </a:bodyPr>
-          <a:lstStyle/>
-          <a:p>
-            <a:r>
-              <a:rPr b="1" u="sng" dirty="0">
-                <a:effectLst>
-                  <a:outerShdw blurRad="38100" dist="38100" dir="2700000" algn="tl">
-                    <a:srgbClr val="000000">
-                      <a:alpha val="43137"/>
-                    </a:srgbClr>
-                  </a:outerShdw>
-                </a:effectLst>
-                <a:latin typeface="Arial Black" panose="020B0A04020102020204" pitchFamily="34" charset="0"/>
-              </a:rPr>
-              <a:t>Part 4 – Identifying Likely-to-Stay Employees</a:t>
-            </a:r>
-          </a:p>
-        </p:txBody>
-      </p:sp>
-      <p:sp>
-        <p:nvSpPr>
-          <p:cNvPr id="3" name="Content Placeholder 2"/>
-          <p:cNvSpPr>
-            <a:spLocks noGrp="1"/>
-          </p:cNvSpPr>
-          <p:nvPr>
-            <p:ph idx="1"/>
-          </p:nvPr>
-        </p:nvSpPr>
-        <p:spPr>
-          <a:xfrm>
-            <a:off x="457200" y="2545236"/>
-            <a:ext cx="8229600" cy="3005891"/>
-          </a:xfrm>
-        </p:spPr>
-        <p:txBody>
-          <a:bodyPr/>
-          <a:lstStyle/>
-          <a:p>
-            <a:pPr marL="0" indent="0">
-              <a:buNone/>
-            </a:pPr>
-            <a:r>
-              <a:rPr dirty="0">
-                <a:latin typeface="Bahnschrift Light Condensed" panose="020B0502040204020203" pitchFamily="34" charset="0"/>
-              </a:rPr>
-              <a:t>• Use P_stay = 1 - P_leave</a:t>
-            </a:r>
-            <a:endParaRPr lang="en-IN" dirty="0">
-              <a:latin typeface="Bahnschrift Light Condensed" panose="020B0502040204020203" pitchFamily="34" charset="0"/>
-            </a:endParaRPr>
-          </a:p>
-          <a:p>
-            <a:endParaRPr dirty="0">
-              <a:latin typeface="Bahnschrift Light Condensed" panose="020B0502040204020203" pitchFamily="34" charset="0"/>
-            </a:endParaRPr>
-          </a:p>
-          <a:p>
-            <a:pPr marL="0" indent="0">
-              <a:buNone/>
-            </a:pPr>
-            <a:r>
-              <a:rPr dirty="0">
-                <a:latin typeface="Bahnschrift Light Condensed" panose="020B0502040204020203" pitchFamily="34" charset="0"/>
-              </a:rPr>
-              <a:t>• Threshold: e.g., P_stay &gt; 0.6</a:t>
-            </a:r>
-            <a:endParaRPr lang="en-IN" dirty="0">
-              <a:latin typeface="Bahnschrift Light Condensed" panose="020B0502040204020203" pitchFamily="34" charset="0"/>
-            </a:endParaRPr>
-          </a:p>
-          <a:p>
-            <a:endParaRPr dirty="0">
-              <a:latin typeface="Bahnschrift Light Condensed" panose="020B0502040204020203" pitchFamily="34" charset="0"/>
-            </a:endParaRPr>
-          </a:p>
-          <a:p>
-            <a:pPr marL="0" indent="0">
-              <a:buNone/>
-            </a:pPr>
-            <a:r>
-              <a:rPr dirty="0">
-                <a:latin typeface="Bahnschrift Light Condensed" panose="020B0502040204020203" pitchFamily="34" charset="0"/>
-              </a:rPr>
-              <a:t>• Apply regression only on filtered employees</a:t>
-            </a:r>
-          </a:p>
-        </p:txBody>
-      </p:sp>
-    </p:spTree>
-  </p:cSld>
-  <p:clrMapOvr>
-    <a:masterClrMapping/>
-  </p:clrMapOvr>
-</p:sld>
-</file>
-
-<file path=ppt/slides/slide9.xml><?xml version="1.0" encoding="utf-8"?>
-<p:sld xmlns:a="http://schemas.openxmlformats.org/drawingml/2006/main" xmlns:r="http://schemas.openxmlformats.org/officeDocument/2006/relationships" xmlns:p="http://schemas.openxmlformats.org/presentationml/2006/main">
-  <p:cSld>
-    <p:spTree>
-      <p:nvGrpSpPr>
-        <p:cNvPr id="1" name=""/>
-        <p:cNvGrpSpPr/>
-        <p:nvPr/>
-      </p:nvGrpSpPr>
-      <p:grpSpPr>
-        <a:xfrm>
-          <a:off x="0" y="0"/>
-          <a:ext cx="0" cy="0"/>
-          <a:chOff x="0" y="0"/>
-          <a:chExt cx="0" cy="0"/>
-        </a:xfrm>
-      </p:grpSpPr>
-      <p:sp>
-        <p:nvSpPr>
-          <p:cNvPr id="2" name="Title 1"/>
-          <p:cNvSpPr>
-            <a:spLocks noGrp="1"/>
-          </p:cNvSpPr>
-          <p:nvPr>
-            <p:ph type="title"/>
-          </p:nvPr>
-        </p:nvSpPr>
-        <p:spPr/>
-        <p:txBody>
-          <a:bodyPr>
-            <a:noAutofit/>
-          </a:bodyPr>
-          <a:lstStyle/>
-          <a:p>
-            <a:r>
-              <a:rPr b="1" u="sng" dirty="0">
-                <a:effectLst>
-                  <a:outerShdw blurRad="38100" dist="38100" dir="2700000" algn="tl">
-                    <a:srgbClr val="000000">
-                      <a:alpha val="43137"/>
-                    </a:srgbClr>
-                  </a:outerShdw>
-                </a:effectLst>
-                <a:latin typeface="Arial Black" panose="020B0A04020102020204" pitchFamily="34" charset="0"/>
-              </a:rPr>
-              <a:t>Part 5 – Estimating Expected Financial Loss</a:t>
-            </a:r>
-          </a:p>
-        </p:txBody>
-      </p:sp>
-      <p:sp>
-        <p:nvSpPr>
-          <p:cNvPr id="3" name="Content Placeholder 2"/>
-          <p:cNvSpPr>
-            <a:spLocks noGrp="1"/>
-          </p:cNvSpPr>
-          <p:nvPr>
-            <p:ph idx="1"/>
-          </p:nvPr>
-        </p:nvSpPr>
-        <p:spPr>
-          <a:xfrm>
-            <a:off x="457200" y="2526384"/>
-            <a:ext cx="8229600" cy="2930476"/>
-          </a:xfrm>
-        </p:spPr>
-        <p:txBody>
-          <a:bodyPr/>
-          <a:lstStyle/>
-          <a:p>
-            <a:pPr marL="0" indent="0">
-              <a:buNone/>
-            </a:pPr>
-            <a:r>
-              <a:rPr dirty="0">
-                <a:latin typeface="Bahnschrift Light Condensed" panose="020B0502040204020203" pitchFamily="34" charset="0"/>
-              </a:rPr>
-              <a:t>•</a:t>
-            </a:r>
-            <a:r>
-              <a:rPr dirty="0"/>
-              <a:t> </a:t>
-            </a:r>
-            <a:r>
-              <a:rPr dirty="0">
-                <a:latin typeface="Bahnschrift Light Condensed" panose="020B0502040204020203" pitchFamily="34" charset="0"/>
-              </a:rPr>
-              <a:t>Expected Loss = </a:t>
-            </a:r>
-            <a:r>
-              <a:rPr lang="en-IN" dirty="0">
-                <a:latin typeface="Bahnschrift Light Condensed" panose="020B0502040204020203" pitchFamily="34" charset="0"/>
-              </a:rPr>
-              <a:t> </a:t>
-            </a:r>
-            <a:r>
-              <a:rPr dirty="0">
-                <a:latin typeface="Bahnschrift Light Condensed" panose="020B0502040204020203" pitchFamily="34" charset="0"/>
-              </a:rPr>
-              <a:t>P_leave × FutureSalary</a:t>
-            </a:r>
-            <a:endParaRPr lang="en-IN" dirty="0">
-              <a:latin typeface="Bahnschrift Light Condensed" panose="020B0502040204020203" pitchFamily="34" charset="0"/>
-            </a:endParaRPr>
-          </a:p>
-          <a:p>
-            <a:endParaRPr dirty="0">
-              <a:latin typeface="Bahnschrift Light Condensed" panose="020B0502040204020203" pitchFamily="34" charset="0"/>
-            </a:endParaRPr>
-          </a:p>
-          <a:p>
-            <a:pPr marL="0" indent="0">
-              <a:buNone/>
-            </a:pPr>
-            <a:r>
-              <a:rPr dirty="0">
-                <a:latin typeface="Bahnschrift Light Condensed" panose="020B0502040204020203" pitchFamily="34" charset="0"/>
-              </a:rPr>
-              <a:t>• Sum over all employees</a:t>
-            </a:r>
-            <a:endParaRPr lang="en-IN" dirty="0">
-              <a:latin typeface="Bahnschrift Light Condensed" panose="020B0502040204020203" pitchFamily="34" charset="0"/>
-            </a:endParaRPr>
-          </a:p>
-          <a:p>
-            <a:endParaRPr dirty="0">
-              <a:latin typeface="Bahnschrift Light Condensed" panose="020B0502040204020203" pitchFamily="34" charset="0"/>
-            </a:endParaRPr>
-          </a:p>
-          <a:p>
-            <a:pPr marL="0" indent="0">
-              <a:buNone/>
-            </a:pPr>
-            <a:r>
-              <a:rPr dirty="0">
-                <a:latin typeface="Bahnschrift Light Condensed" panose="020B0502040204020203" pitchFamily="34" charset="0"/>
-              </a:rPr>
-              <a:t>• Helps quantify cost of attrition</a:t>
-            </a:r>
-          </a:p>
-        </p:txBody>
-      </p:sp>
-    </p:spTree>
   </p:cSld>
   <p:clrMapOvr>
     <a:masterClrMapping/>
@@ -6036,299 +4757,4 @@
   </a:objectDefaults>
   <a:extraClrSchemeLst/>
 </a:theme>
-</file>
-
-<file path=ppt/theme/theme2.xml><?xml version="1.0" encoding="utf-8"?>
-<a:theme xmlns:a="http://schemas.openxmlformats.org/drawingml/2006/main" name="Office Theme">
-  <a:themeElements>
-    <a:clrScheme name="Office">
-      <a:dk1>
-        <a:sysClr val="windowText" lastClr="000000"/>
-      </a:dk1>
-      <a:lt1>
-        <a:sysClr val="window" lastClr="FFFFFF"/>
-      </a:lt1>
-      <a:dk2>
-        <a:srgbClr val="44546A"/>
-      </a:dk2>
-      <a:lt2>
-        <a:srgbClr val="E7E6E6"/>
-      </a:lt2>
-      <a:accent1>
-        <a:srgbClr val="4472C4"/>
-      </a:accent1>
-      <a:accent2>
-        <a:srgbClr val="ED7D31"/>
-      </a:accent2>
-      <a:accent3>
-        <a:srgbClr val="A5A5A5"/>
-      </a:accent3>
-      <a:accent4>
-        <a:srgbClr val="FFC000"/>
-      </a:accent4>
-      <a:accent5>
-        <a:srgbClr val="5B9BD5"/>
-      </a:accent5>
-      <a:accent6>
-        <a:srgbClr val="70AD47"/>
-      </a:accent6>
-      <a:hlink>
-        <a:srgbClr val="0563C1"/>
-      </a:hlink>
-      <a:folHlink>
-        <a:srgbClr val="954F72"/>
-      </a:folHlink>
-    </a:clrScheme>
-    <a:fontScheme name="Office">
-      <a:majorFont>
-        <a:latin typeface="Calibri Light" panose="020F0302020204030204"/>
-        <a:ea typeface=""/>
-        <a:cs typeface=""/>
-        <a:font script="Jpan" typeface="游ゴシック Light"/>
-        <a:font script="Hang" typeface="맑은 고딕"/>
-        <a:font script="Hans" typeface="等线 Light"/>
-        <a:font script="Hant" typeface="新細明體"/>
-        <a:font script="Arab" typeface="Times New Roman"/>
-        <a:font script="Hebr" typeface="Times New Roman"/>
-        <a:font script="Thai" typeface="Angsana New"/>
-        <a:font script="Ethi" typeface="Nyala"/>
-        <a:font script="Beng" typeface="Vrinda"/>
-        <a:font script="Gujr" typeface="Shruti"/>
-        <a:font script="Khmr" typeface="MoolBoran"/>
-        <a:font script="Knda" typeface="Tunga"/>
-        <a:font script="Guru" typeface="Raavi"/>
-        <a:font script="Cans" typeface="Euphemia"/>
-        <a:font script="Cher" typeface="Plantagenet Cherokee"/>
-        <a:font script="Yiii" typeface="Microsoft Yi Baiti"/>
-        <a:font script="Tibt" typeface="Microsoft Himalaya"/>
-        <a:font script="Thaa" typeface="MV Boli"/>
-        <a:font script="Deva" typeface="Mangal"/>
-        <a:font script="Telu" typeface="Gautami"/>
-        <a:font script="Taml" typeface="Latha"/>
-        <a:font script="Syrc" typeface="Estrangelo Edessa"/>
-        <a:font script="Orya" typeface="Kalinga"/>
-        <a:font script="Mlym" typeface="Kartika"/>
-        <a:font script="Laoo" typeface="DokChampa"/>
-        <a:font script="Sinh" typeface="Iskoola Pota"/>
-        <a:font script="Mong" typeface="Mongolian Baiti"/>
-        <a:font script="Viet" typeface="Times New Roman"/>
-        <a:font script="Uigh" typeface="Microsoft Uighur"/>
-        <a:font script="Geor" typeface="Sylfaen"/>
-        <a:font script="Armn" typeface="Arial"/>
-        <a:font script="Bugi" typeface="Leelawadee UI"/>
-        <a:font script="Bopo" typeface="Microsoft JhengHei"/>
-        <a:font script="Java" typeface="Javanese Text"/>
-        <a:font script="Lisu" typeface="Segoe UI"/>
-        <a:font script="Mymr" typeface="Myanmar Text"/>
-        <a:font script="Nkoo" typeface="Ebrima"/>
-        <a:font script="Olck" typeface="Nirmala UI"/>
-        <a:font script="Osma" typeface="Ebrima"/>
-        <a:font script="Phag" typeface="Phagspa"/>
-        <a:font script="Syrn" typeface="Estrangelo Edessa"/>
-        <a:font script="Syrj" typeface="Estrangelo Edessa"/>
-        <a:font script="Syre" typeface="Estrangelo Edessa"/>
-        <a:font script="Sora" typeface="Nirmala UI"/>
-        <a:font script="Tale" typeface="Microsoft Tai Le"/>
-        <a:font script="Talu" typeface="Microsoft New Tai Lue"/>
-        <a:font script="Tfng" typeface="Ebrima"/>
-      </a:majorFont>
-      <a:minorFont>
-        <a:latin typeface="Calibri" panose="020F0502020204030204"/>
-        <a:ea typeface=""/>
-        <a:cs typeface=""/>
-        <a:font script="Jpan" typeface="游ゴシック"/>
-        <a:font script="Hang" typeface="맑은 고딕"/>
-        <a:font script="Hans" typeface="等线"/>
-        <a:font script="Hant" typeface="新細明體"/>
-        <a:font script="Arab" typeface="Arial"/>
-        <a:font script="Hebr" typeface="Arial"/>
-        <a:font script="Thai" typeface="Cordia New"/>
-        <a:font script="Ethi" typeface="Nyala"/>
-        <a:font script="Beng" typeface="Vrinda"/>
-        <a:font script="Gujr" typeface="Shruti"/>
-        <a:font script="Khmr" typeface="DaunPenh"/>
-        <a:font script="Knda" typeface="Tunga"/>
-        <a:font script="Guru" typeface="Raavi"/>
-        <a:font script="Cans" typeface="Euphemia"/>
-        <a:font script="Cher" typeface="Plantagenet Cherokee"/>
-        <a:font script="Yiii" typeface="Microsoft Yi Baiti"/>
-        <a:font script="Tibt" typeface="Microsoft Himalaya"/>
-        <a:font script="Thaa" typeface="MV Boli"/>
-        <a:font script="Deva" typeface="Mangal"/>
-        <a:font script="Telu" typeface="Gautami"/>
-        <a:font script="Taml" typeface="Latha"/>
-        <a:font script="Syrc" typeface="Estrangelo Edessa"/>
-        <a:font script="Orya" typeface="Kalinga"/>
-        <a:font script="Mlym" typeface="Kartika"/>
-        <a:font script="Laoo" typeface="DokChampa"/>
-        <a:font script="Sinh" typeface="Iskoola Pota"/>
-        <a:font script="Mong" typeface="Mongolian Baiti"/>
-        <a:font script="Viet" typeface="Arial"/>
-        <a:font script="Uigh" typeface="Microsoft Uighur"/>
-        <a:font script="Geor" typeface="Sylfaen"/>
-        <a:font script="Armn" typeface="Arial"/>
-        <a:font script="Bugi" typeface="Leelawadee UI"/>
-        <a:font script="Bopo" typeface="Microsoft JhengHei"/>
-        <a:font script="Java" typeface="Javanese Text"/>
-        <a:font script="Lisu" typeface="Segoe UI"/>
-        <a:font script="Mymr" typeface="Myanmar Text"/>
-        <a:font script="Nkoo" typeface="Ebrima"/>
-        <a:font script="Olck" typeface="Nirmala UI"/>
-        <a:font script="Osma" typeface="Ebrima"/>
-        <a:font script="Phag" typeface="Phagspa"/>
-        <a:font script="Syrn" typeface="Estrangelo Edessa"/>
-        <a:font script="Syrj" typeface="Estrangelo Edessa"/>
-        <a:font script="Syre" typeface="Estrangelo Edessa"/>
-        <a:font script="Sora" typeface="Nirmala UI"/>
-        <a:font script="Tale" typeface="Microsoft Tai Le"/>
-        <a:font script="Talu" typeface="Microsoft New Tai Lue"/>
-        <a:font script="Tfng" typeface="Ebrima"/>
-      </a:minorFont>
-    </a:fontScheme>
-    <a:fmtScheme name="Office">
-      <a:fillStyleLst>
-        <a:solidFill>
-          <a:schemeClr val="phClr"/>
-        </a:solidFill>
-        <a:gradFill rotWithShape="1">
-          <a:gsLst>
-            <a:gs pos="0">
-              <a:schemeClr val="phClr">
-                <a:lumMod val="110000"/>
-                <a:satMod val="105000"/>
-                <a:tint val="67000"/>
-              </a:schemeClr>
-            </a:gs>
-            <a:gs pos="50000">
-              <a:schemeClr val="phClr">
-                <a:lumMod val="105000"/>
-                <a:satMod val="103000"/>
-                <a:tint val="73000"/>
-              </a:schemeClr>
-            </a:gs>
-            <a:gs pos="100000">
-              <a:schemeClr val="phClr">
-                <a:lumMod val="105000"/>
-                <a:satMod val="109000"/>
-                <a:tint val="81000"/>
-              </a:schemeClr>
-            </a:gs>
-          </a:gsLst>
-          <a:lin ang="5400000" scaled="0"/>
-        </a:gradFill>
-        <a:gradFill rotWithShape="1">
-          <a:gsLst>
-            <a:gs pos="0">
-              <a:schemeClr val="phClr">
-                <a:satMod val="103000"/>
-                <a:lumMod val="102000"/>
-                <a:tint val="94000"/>
-              </a:schemeClr>
-            </a:gs>
-            <a:gs pos="50000">
-              <a:schemeClr val="phClr">
-                <a:satMod val="110000"/>
-                <a:lumMod val="100000"/>
-                <a:shade val="100000"/>
-              </a:schemeClr>
-            </a:gs>
-            <a:gs pos="100000">
-              <a:schemeClr val="phClr">
-                <a:lumMod val="99000"/>
-                <a:satMod val="120000"/>
-                <a:shade val="78000"/>
-              </a:schemeClr>
-            </a:gs>
-          </a:gsLst>
-          <a:lin ang="5400000" scaled="0"/>
-        </a:gradFill>
-      </a:fillStyleLst>
-      <a:lnStyleLst>
-        <a:ln w="6350" cap="flat" cmpd="sng" algn="ctr">
-          <a:solidFill>
-            <a:schemeClr val="phClr"/>
-          </a:solidFill>
-          <a:prstDash val="solid"/>
-          <a:miter lim="800000"/>
-        </a:ln>
-        <a:ln w="12700" cap="flat" cmpd="sng" algn="ctr">
-          <a:solidFill>
-            <a:schemeClr val="phClr"/>
-          </a:solidFill>
-          <a:prstDash val="solid"/>
-          <a:miter lim="800000"/>
-        </a:ln>
-        <a:ln w="19050" cap="flat" cmpd="sng" algn="ctr">
-          <a:solidFill>
-            <a:schemeClr val="phClr"/>
-          </a:solidFill>
-          <a:prstDash val="solid"/>
-          <a:miter lim="800000"/>
-        </a:ln>
-      </a:lnStyleLst>
-      <a:effectStyleLst>
-        <a:effectStyle>
-          <a:effectLst/>
-        </a:effectStyle>
-        <a:effectStyle>
-          <a:effectLst/>
-        </a:effectStyle>
-        <a:effectStyle>
-          <a:effectLst>
-            <a:outerShdw blurRad="57150" dist="19050" dir="5400000" algn="ctr" rotWithShape="0">
-              <a:srgbClr val="000000">
-                <a:alpha val="63000"/>
-              </a:srgbClr>
-            </a:outerShdw>
-          </a:effectLst>
-        </a:effectStyle>
-      </a:effectStyleLst>
-      <a:bgFillStyleLst>
-        <a:solidFill>
-          <a:schemeClr val="phClr"/>
-        </a:solidFill>
-        <a:solidFill>
-          <a:schemeClr val="phClr">
-            <a:tint val="95000"/>
-            <a:satMod val="170000"/>
-          </a:schemeClr>
-        </a:solidFill>
-        <a:gradFill rotWithShape="1">
-          <a:gsLst>
-            <a:gs pos="0">
-              <a:schemeClr val="phClr">
-                <a:tint val="93000"/>
-                <a:satMod val="150000"/>
-                <a:shade val="98000"/>
-                <a:lumMod val="102000"/>
-              </a:schemeClr>
-            </a:gs>
-            <a:gs pos="50000">
-              <a:schemeClr val="phClr">
-                <a:tint val="98000"/>
-                <a:satMod val="130000"/>
-                <a:shade val="90000"/>
-                <a:lumMod val="103000"/>
-              </a:schemeClr>
-            </a:gs>
-            <a:gs pos="100000">
-              <a:schemeClr val="phClr">
-                <a:shade val="63000"/>
-                <a:satMod val="120000"/>
-              </a:schemeClr>
-            </a:gs>
-          </a:gsLst>
-          <a:lin ang="5400000" scaled="0"/>
-        </a:gradFill>
-      </a:bgFillStyleLst>
-    </a:fmtScheme>
-  </a:themeElements>
-  <a:objectDefaults/>
-  <a:extraClrSchemeLst/>
-  <a:extLst>
-    <a:ext uri="{05A4C25C-085E-4340-85A3-A5531E510DB2}">
-      <thm15:themeFamily xmlns:thm15="http://schemas.microsoft.com/office/thememl/2012/main" name="Office Theme" id="{62F939B6-93AF-4DB8-9C6B-D6C7DFDC589F}" vid="{4A3C46E8-61CC-4603-A589-7422A47A8E4A}"/>
-    </a:ext>
-  </a:extLst>
-</a:theme>
 </file>